--- a/アーカイブ用/説明書/起動方法説明書.pptx
+++ b/アーカイブ用/説明書/起動方法説明書.pptx
@@ -2,12 +2,12 @@
 <file path=ppt/presentation.xml><?xml version="1.0" encoding="utf-8"?>
 <p:presentation xmlns:a="http://schemas.openxmlformats.org/drawingml/2006/main" xmlns:r="http://schemas.openxmlformats.org/officeDocument/2006/relationships" xmlns:p="http://schemas.openxmlformats.org/presentationml/2006/main" saveSubsetFonts="1">
   <p:sldMasterIdLst>
-    <p:sldMasterId id="2147483648" r:id="rId1"/>
+    <p:sldMasterId id="2147483660" r:id="rId1"/>
   </p:sldMasterIdLst>
   <p:sldIdLst>
     <p:sldId id="256" r:id="rId2"/>
   </p:sldIdLst>
-  <p:sldSz cx="12192000" cy="6858000"/>
+  <p:sldSz cx="9906000" cy="6858000" type="A4"/>
   <p:notesSz cx="6858000" cy="9144000"/>
   <p:defaultTextStyle>
     <a:defPPr>
@@ -104,6 +104,11 @@
       </a:defRPr>
     </a:lvl9pPr>
   </p:defaultTextStyle>
+  <p:extLst>
+    <p:ext uri="{EFAFB233-063F-42B5-8137-9DF3F51BA10A}">
+      <p15:sldGuideLst xmlns:p15="http://schemas.microsoft.com/office/powerpoint/2012/main"/>
+    </p:ext>
+  </p:extLst>
 </p:presentation>
 </file>
 
@@ -126,7 +131,7 @@
       </p:grpSpPr>
       <p:sp>
         <p:nvSpPr>
-          <p:cNvPr id="2" name="タイトル 1"/>
+          <p:cNvPr id="2" name="Title 1"/>
           <p:cNvSpPr>
             <a:spLocks noGrp="1"/>
           </p:cNvSpPr>
@@ -136,8 +141,8 @@
         </p:nvSpPr>
         <p:spPr>
           <a:xfrm>
-            <a:off x="1524000" y="1122363"/>
-            <a:ext cx="9144000" cy="2387600"/>
+            <a:off x="742950" y="1122363"/>
+            <a:ext cx="8420100" cy="2387600"/>
           </a:xfrm>
         </p:spPr>
         <p:txBody>
@@ -149,16 +154,16 @@
           </a:lstStyle>
           <a:p>
             <a:r>
-              <a:rPr kumimoji="1" lang="ja-JP" altLang="en-US" smtClean="0"/>
+              <a:rPr lang="ja-JP" altLang="en-US" smtClean="0"/>
               <a:t>マスター タイトルの書式設定</a:t>
             </a:r>
-            <a:endParaRPr kumimoji="1" lang="ja-JP" altLang="en-US"/>
+            <a:endParaRPr lang="en-US" dirty="0"/>
           </a:p>
         </p:txBody>
       </p:sp>
       <p:sp>
         <p:nvSpPr>
-          <p:cNvPr id="3" name="サブタイトル 2"/>
+          <p:cNvPr id="3" name="Subtitle 2"/>
           <p:cNvSpPr>
             <a:spLocks noGrp="1"/>
           </p:cNvSpPr>
@@ -168,8 +173,8 @@
         </p:nvSpPr>
         <p:spPr>
           <a:xfrm>
-            <a:off x="1524000" y="3602038"/>
-            <a:ext cx="9144000" cy="1655762"/>
+            <a:off x="1238250" y="3602038"/>
+            <a:ext cx="7429500" cy="1655762"/>
           </a:xfrm>
         </p:spPr>
         <p:txBody>
@@ -214,16 +219,16 @@
           </a:lstStyle>
           <a:p>
             <a:r>
-              <a:rPr kumimoji="1" lang="ja-JP" altLang="en-US" smtClean="0"/>
+              <a:rPr lang="ja-JP" altLang="en-US" smtClean="0"/>
               <a:t>マスター サブタイトルの書式設定</a:t>
             </a:r>
-            <a:endParaRPr kumimoji="1" lang="ja-JP" altLang="en-US"/>
+            <a:endParaRPr lang="en-US" dirty="0"/>
           </a:p>
         </p:txBody>
       </p:sp>
       <p:sp>
         <p:nvSpPr>
-          <p:cNvPr id="4" name="日付プレースホルダー 3"/>
+          <p:cNvPr id="4" name="Date Placeholder 3"/>
           <p:cNvSpPr>
             <a:spLocks noGrp="1"/>
           </p:cNvSpPr>
@@ -238,7 +243,7 @@
           <a:p>
             <a:fld id="{9A71CB4E-438A-4ABF-AF70-4B3C1C856AFA}" type="datetimeFigureOut">
               <a:rPr kumimoji="1" lang="ja-JP" altLang="en-US" smtClean="0"/>
-              <a:t>2020/1/27</a:t>
+              <a:t>2020/1/28</a:t>
             </a:fld>
             <a:endParaRPr kumimoji="1" lang="ja-JP" altLang="en-US"/>
           </a:p>
@@ -246,7 +251,7 @@
       </p:sp>
       <p:sp>
         <p:nvSpPr>
-          <p:cNvPr id="5" name="フッター プレースホルダー 4"/>
+          <p:cNvPr id="5" name="Footer Placeholder 4"/>
           <p:cNvSpPr>
             <a:spLocks noGrp="1"/>
           </p:cNvSpPr>
@@ -265,7 +270,7 @@
       </p:sp>
       <p:sp>
         <p:nvSpPr>
-          <p:cNvPr id="6" name="スライド番号プレースホルダー 5"/>
+          <p:cNvPr id="6" name="Slide Number Placeholder 5"/>
           <p:cNvSpPr>
             <a:spLocks noGrp="1"/>
           </p:cNvSpPr>
@@ -289,7 +294,7 @@
     </p:spTree>
     <p:extLst>
       <p:ext uri="{BB962C8B-B14F-4D97-AF65-F5344CB8AC3E}">
-        <p14:creationId xmlns:p14="http://schemas.microsoft.com/office/powerpoint/2010/main" val="2206662291"/>
+        <p14:creationId xmlns:p14="http://schemas.microsoft.com/office/powerpoint/2010/main" val="1475788900"/>
       </p:ext>
     </p:extLst>
   </p:cSld>
@@ -318,7 +323,7 @@
       </p:grpSpPr>
       <p:sp>
         <p:nvSpPr>
-          <p:cNvPr id="2" name="タイトル 1"/>
+          <p:cNvPr id="2" name="Title 1"/>
           <p:cNvSpPr>
             <a:spLocks noGrp="1"/>
           </p:cNvSpPr>
@@ -332,16 +337,16 @@
           <a:lstStyle/>
           <a:p>
             <a:r>
-              <a:rPr kumimoji="1" lang="ja-JP" altLang="en-US" smtClean="0"/>
+              <a:rPr lang="ja-JP" altLang="en-US" smtClean="0"/>
               <a:t>マスター タイトルの書式設定</a:t>
             </a:r>
-            <a:endParaRPr kumimoji="1" lang="ja-JP" altLang="en-US"/>
+            <a:endParaRPr lang="en-US" dirty="0"/>
           </a:p>
         </p:txBody>
       </p:sp>
       <p:sp>
         <p:nvSpPr>
-          <p:cNvPr id="3" name="縦書きテキスト プレースホルダー 2"/>
+          <p:cNvPr id="3" name="Vertical Text Placeholder 2"/>
           <p:cNvSpPr>
             <a:spLocks noGrp="1"/>
           </p:cNvSpPr>
@@ -356,76 +361,76 @@
           <a:p>
             <a:pPr lvl="0"/>
             <a:r>
-              <a:rPr kumimoji="1" lang="ja-JP" altLang="en-US" smtClean="0"/>
+              <a:rPr lang="ja-JP" altLang="en-US" smtClean="0"/>
               <a:t>マスター テキストの書式設定</a:t>
             </a:r>
           </a:p>
           <a:p>
             <a:pPr lvl="1"/>
             <a:r>
-              <a:rPr kumimoji="1" lang="ja-JP" altLang="en-US" smtClean="0"/>
+              <a:rPr lang="ja-JP" altLang="en-US" smtClean="0"/>
               <a:t>第 </a:t>
             </a:r>
             <a:r>
-              <a:rPr kumimoji="1" lang="en-US" altLang="ja-JP" smtClean="0"/>
+              <a:rPr lang="en-US" altLang="ja-JP" smtClean="0"/>
               <a:t>2 </a:t>
             </a:r>
             <a:r>
-              <a:rPr kumimoji="1" lang="ja-JP" altLang="en-US" smtClean="0"/>
+              <a:rPr lang="ja-JP" altLang="en-US" smtClean="0"/>
               <a:t>レベル</a:t>
             </a:r>
           </a:p>
           <a:p>
             <a:pPr lvl="2"/>
             <a:r>
-              <a:rPr kumimoji="1" lang="ja-JP" altLang="en-US" smtClean="0"/>
+              <a:rPr lang="ja-JP" altLang="en-US" smtClean="0"/>
               <a:t>第 </a:t>
             </a:r>
             <a:r>
-              <a:rPr kumimoji="1" lang="en-US" altLang="ja-JP" smtClean="0"/>
+              <a:rPr lang="en-US" altLang="ja-JP" smtClean="0"/>
               <a:t>3 </a:t>
             </a:r>
             <a:r>
-              <a:rPr kumimoji="1" lang="ja-JP" altLang="en-US" smtClean="0"/>
+              <a:rPr lang="ja-JP" altLang="en-US" smtClean="0"/>
               <a:t>レベル</a:t>
             </a:r>
           </a:p>
           <a:p>
             <a:pPr lvl="3"/>
             <a:r>
-              <a:rPr kumimoji="1" lang="ja-JP" altLang="en-US" smtClean="0"/>
+              <a:rPr lang="ja-JP" altLang="en-US" smtClean="0"/>
               <a:t>第 </a:t>
             </a:r>
             <a:r>
-              <a:rPr kumimoji="1" lang="en-US" altLang="ja-JP" smtClean="0"/>
+              <a:rPr lang="en-US" altLang="ja-JP" smtClean="0"/>
               <a:t>4 </a:t>
             </a:r>
             <a:r>
-              <a:rPr kumimoji="1" lang="ja-JP" altLang="en-US" smtClean="0"/>
+              <a:rPr lang="ja-JP" altLang="en-US" smtClean="0"/>
               <a:t>レベル</a:t>
             </a:r>
           </a:p>
           <a:p>
             <a:pPr lvl="4"/>
             <a:r>
-              <a:rPr kumimoji="1" lang="ja-JP" altLang="en-US" smtClean="0"/>
+              <a:rPr lang="ja-JP" altLang="en-US" smtClean="0"/>
               <a:t>第 </a:t>
             </a:r>
             <a:r>
-              <a:rPr kumimoji="1" lang="en-US" altLang="ja-JP" smtClean="0"/>
+              <a:rPr lang="en-US" altLang="ja-JP" smtClean="0"/>
               <a:t>5 </a:t>
             </a:r>
             <a:r>
-              <a:rPr kumimoji="1" lang="ja-JP" altLang="en-US" smtClean="0"/>
+              <a:rPr lang="ja-JP" altLang="en-US" smtClean="0"/>
               <a:t>レベル</a:t>
             </a:r>
-            <a:endParaRPr kumimoji="1" lang="ja-JP" altLang="en-US"/>
+            <a:endParaRPr lang="en-US" dirty="0"/>
           </a:p>
         </p:txBody>
       </p:sp>
       <p:sp>
         <p:nvSpPr>
-          <p:cNvPr id="4" name="日付プレースホルダー 3"/>
+          <p:cNvPr id="4" name="Date Placeholder 3"/>
           <p:cNvSpPr>
             <a:spLocks noGrp="1"/>
           </p:cNvSpPr>
@@ -440,7 +445,7 @@
           <a:p>
             <a:fld id="{9A71CB4E-438A-4ABF-AF70-4B3C1C856AFA}" type="datetimeFigureOut">
               <a:rPr kumimoji="1" lang="ja-JP" altLang="en-US" smtClean="0"/>
-              <a:t>2020/1/27</a:t>
+              <a:t>2020/1/28</a:t>
             </a:fld>
             <a:endParaRPr kumimoji="1" lang="ja-JP" altLang="en-US"/>
           </a:p>
@@ -448,7 +453,7 @@
       </p:sp>
       <p:sp>
         <p:nvSpPr>
-          <p:cNvPr id="5" name="フッター プレースホルダー 4"/>
+          <p:cNvPr id="5" name="Footer Placeholder 4"/>
           <p:cNvSpPr>
             <a:spLocks noGrp="1"/>
           </p:cNvSpPr>
@@ -467,7 +472,7 @@
       </p:sp>
       <p:sp>
         <p:nvSpPr>
-          <p:cNvPr id="6" name="スライド番号プレースホルダー 5"/>
+          <p:cNvPr id="6" name="Slide Number Placeholder 5"/>
           <p:cNvSpPr>
             <a:spLocks noGrp="1"/>
           </p:cNvSpPr>
@@ -491,7 +496,7 @@
     </p:spTree>
     <p:extLst>
       <p:ext uri="{BB962C8B-B14F-4D97-AF65-F5344CB8AC3E}">
-        <p14:creationId xmlns:p14="http://schemas.microsoft.com/office/powerpoint/2010/main" val="3619523174"/>
+        <p14:creationId xmlns:p14="http://schemas.microsoft.com/office/powerpoint/2010/main" val="62465832"/>
       </p:ext>
     </p:extLst>
   </p:cSld>
@@ -520,7 +525,7 @@
       </p:grpSpPr>
       <p:sp>
         <p:nvSpPr>
-          <p:cNvPr id="2" name="縦書きタイトル 1"/>
+          <p:cNvPr id="2" name="Vertical Title 1"/>
           <p:cNvSpPr>
             <a:spLocks noGrp="1"/>
           </p:cNvSpPr>
@@ -530,8 +535,8 @@
         </p:nvSpPr>
         <p:spPr>
           <a:xfrm>
-            <a:off x="8724900" y="365125"/>
-            <a:ext cx="2628900" cy="5811838"/>
+            <a:off x="7088982" y="365125"/>
+            <a:ext cx="2135981" cy="5811838"/>
           </a:xfrm>
         </p:spPr>
         <p:txBody>
@@ -539,16 +544,16 @@
           <a:lstStyle/>
           <a:p>
             <a:r>
-              <a:rPr kumimoji="1" lang="ja-JP" altLang="en-US" smtClean="0"/>
+              <a:rPr lang="ja-JP" altLang="en-US" smtClean="0"/>
               <a:t>マスター タイトルの書式設定</a:t>
             </a:r>
-            <a:endParaRPr kumimoji="1" lang="ja-JP" altLang="en-US"/>
+            <a:endParaRPr lang="en-US" dirty="0"/>
           </a:p>
         </p:txBody>
       </p:sp>
       <p:sp>
         <p:nvSpPr>
-          <p:cNvPr id="3" name="縦書きテキスト プレースホルダー 2"/>
+          <p:cNvPr id="3" name="Vertical Text Placeholder 2"/>
           <p:cNvSpPr>
             <a:spLocks noGrp="1"/>
           </p:cNvSpPr>
@@ -558,8 +563,8 @@
         </p:nvSpPr>
         <p:spPr>
           <a:xfrm>
-            <a:off x="838200" y="365125"/>
-            <a:ext cx="7734300" cy="5811838"/>
+            <a:off x="681038" y="365125"/>
+            <a:ext cx="6284119" cy="5811838"/>
           </a:xfrm>
         </p:spPr>
         <p:txBody>
@@ -568,76 +573,76 @@
           <a:p>
             <a:pPr lvl="0"/>
             <a:r>
-              <a:rPr kumimoji="1" lang="ja-JP" altLang="en-US" smtClean="0"/>
+              <a:rPr lang="ja-JP" altLang="en-US" smtClean="0"/>
               <a:t>マスター テキストの書式設定</a:t>
             </a:r>
           </a:p>
           <a:p>
             <a:pPr lvl="1"/>
             <a:r>
-              <a:rPr kumimoji="1" lang="ja-JP" altLang="en-US" smtClean="0"/>
+              <a:rPr lang="ja-JP" altLang="en-US" smtClean="0"/>
               <a:t>第 </a:t>
             </a:r>
             <a:r>
-              <a:rPr kumimoji="1" lang="en-US" altLang="ja-JP" smtClean="0"/>
+              <a:rPr lang="en-US" altLang="ja-JP" smtClean="0"/>
               <a:t>2 </a:t>
             </a:r>
             <a:r>
-              <a:rPr kumimoji="1" lang="ja-JP" altLang="en-US" smtClean="0"/>
+              <a:rPr lang="ja-JP" altLang="en-US" smtClean="0"/>
               <a:t>レベル</a:t>
             </a:r>
           </a:p>
           <a:p>
             <a:pPr lvl="2"/>
             <a:r>
-              <a:rPr kumimoji="1" lang="ja-JP" altLang="en-US" smtClean="0"/>
+              <a:rPr lang="ja-JP" altLang="en-US" smtClean="0"/>
               <a:t>第 </a:t>
             </a:r>
             <a:r>
-              <a:rPr kumimoji="1" lang="en-US" altLang="ja-JP" smtClean="0"/>
+              <a:rPr lang="en-US" altLang="ja-JP" smtClean="0"/>
               <a:t>3 </a:t>
             </a:r>
             <a:r>
-              <a:rPr kumimoji="1" lang="ja-JP" altLang="en-US" smtClean="0"/>
+              <a:rPr lang="ja-JP" altLang="en-US" smtClean="0"/>
               <a:t>レベル</a:t>
             </a:r>
           </a:p>
           <a:p>
             <a:pPr lvl="3"/>
             <a:r>
-              <a:rPr kumimoji="1" lang="ja-JP" altLang="en-US" smtClean="0"/>
+              <a:rPr lang="ja-JP" altLang="en-US" smtClean="0"/>
               <a:t>第 </a:t>
             </a:r>
             <a:r>
-              <a:rPr kumimoji="1" lang="en-US" altLang="ja-JP" smtClean="0"/>
+              <a:rPr lang="en-US" altLang="ja-JP" smtClean="0"/>
               <a:t>4 </a:t>
             </a:r>
             <a:r>
-              <a:rPr kumimoji="1" lang="ja-JP" altLang="en-US" smtClean="0"/>
+              <a:rPr lang="ja-JP" altLang="en-US" smtClean="0"/>
               <a:t>レベル</a:t>
             </a:r>
           </a:p>
           <a:p>
             <a:pPr lvl="4"/>
             <a:r>
-              <a:rPr kumimoji="1" lang="ja-JP" altLang="en-US" smtClean="0"/>
+              <a:rPr lang="ja-JP" altLang="en-US" smtClean="0"/>
               <a:t>第 </a:t>
             </a:r>
             <a:r>
-              <a:rPr kumimoji="1" lang="en-US" altLang="ja-JP" smtClean="0"/>
+              <a:rPr lang="en-US" altLang="ja-JP" smtClean="0"/>
               <a:t>5 </a:t>
             </a:r>
             <a:r>
-              <a:rPr kumimoji="1" lang="ja-JP" altLang="en-US" smtClean="0"/>
+              <a:rPr lang="ja-JP" altLang="en-US" smtClean="0"/>
               <a:t>レベル</a:t>
             </a:r>
-            <a:endParaRPr kumimoji="1" lang="ja-JP" altLang="en-US"/>
+            <a:endParaRPr lang="en-US" dirty="0"/>
           </a:p>
         </p:txBody>
       </p:sp>
       <p:sp>
         <p:nvSpPr>
-          <p:cNvPr id="4" name="日付プレースホルダー 3"/>
+          <p:cNvPr id="4" name="Date Placeholder 3"/>
           <p:cNvSpPr>
             <a:spLocks noGrp="1"/>
           </p:cNvSpPr>
@@ -652,7 +657,7 @@
           <a:p>
             <a:fld id="{9A71CB4E-438A-4ABF-AF70-4B3C1C856AFA}" type="datetimeFigureOut">
               <a:rPr kumimoji="1" lang="ja-JP" altLang="en-US" smtClean="0"/>
-              <a:t>2020/1/27</a:t>
+              <a:t>2020/1/28</a:t>
             </a:fld>
             <a:endParaRPr kumimoji="1" lang="ja-JP" altLang="en-US"/>
           </a:p>
@@ -660,7 +665,7 @@
       </p:sp>
       <p:sp>
         <p:nvSpPr>
-          <p:cNvPr id="5" name="フッター プレースホルダー 4"/>
+          <p:cNvPr id="5" name="Footer Placeholder 4"/>
           <p:cNvSpPr>
             <a:spLocks noGrp="1"/>
           </p:cNvSpPr>
@@ -679,7 +684,7 @@
       </p:sp>
       <p:sp>
         <p:nvSpPr>
-          <p:cNvPr id="6" name="スライド番号プレースホルダー 5"/>
+          <p:cNvPr id="6" name="Slide Number Placeholder 5"/>
           <p:cNvSpPr>
             <a:spLocks noGrp="1"/>
           </p:cNvSpPr>
@@ -703,7 +708,7 @@
     </p:spTree>
     <p:extLst>
       <p:ext uri="{BB962C8B-B14F-4D97-AF65-F5344CB8AC3E}">
-        <p14:creationId xmlns:p14="http://schemas.microsoft.com/office/powerpoint/2010/main" val="187529354"/>
+        <p14:creationId xmlns:p14="http://schemas.microsoft.com/office/powerpoint/2010/main" val="3618477213"/>
       </p:ext>
     </p:extLst>
   </p:cSld>
@@ -732,7 +737,7 @@
       </p:grpSpPr>
       <p:sp>
         <p:nvSpPr>
-          <p:cNvPr id="2" name="タイトル 1"/>
+          <p:cNvPr id="2" name="Title 1"/>
           <p:cNvSpPr>
             <a:spLocks noGrp="1"/>
           </p:cNvSpPr>
@@ -746,16 +751,16 @@
           <a:lstStyle/>
           <a:p>
             <a:r>
-              <a:rPr kumimoji="1" lang="ja-JP" altLang="en-US" smtClean="0"/>
+              <a:rPr lang="ja-JP" altLang="en-US" smtClean="0"/>
               <a:t>マスター タイトルの書式設定</a:t>
             </a:r>
-            <a:endParaRPr kumimoji="1" lang="ja-JP" altLang="en-US"/>
+            <a:endParaRPr lang="en-US" dirty="0"/>
           </a:p>
         </p:txBody>
       </p:sp>
       <p:sp>
         <p:nvSpPr>
-          <p:cNvPr id="3" name="コンテンツ プレースホルダー 2"/>
+          <p:cNvPr id="3" name="Content Placeholder 2"/>
           <p:cNvSpPr>
             <a:spLocks noGrp="1"/>
           </p:cNvSpPr>
@@ -770,76 +775,76 @@
           <a:p>
             <a:pPr lvl="0"/>
             <a:r>
-              <a:rPr kumimoji="1" lang="ja-JP" altLang="en-US" smtClean="0"/>
+              <a:rPr lang="ja-JP" altLang="en-US" smtClean="0"/>
               <a:t>マスター テキストの書式設定</a:t>
             </a:r>
           </a:p>
           <a:p>
             <a:pPr lvl="1"/>
             <a:r>
-              <a:rPr kumimoji="1" lang="ja-JP" altLang="en-US" smtClean="0"/>
+              <a:rPr lang="ja-JP" altLang="en-US" smtClean="0"/>
               <a:t>第 </a:t>
             </a:r>
             <a:r>
-              <a:rPr kumimoji="1" lang="en-US" altLang="ja-JP" smtClean="0"/>
+              <a:rPr lang="en-US" altLang="ja-JP" smtClean="0"/>
               <a:t>2 </a:t>
             </a:r>
             <a:r>
-              <a:rPr kumimoji="1" lang="ja-JP" altLang="en-US" smtClean="0"/>
+              <a:rPr lang="ja-JP" altLang="en-US" smtClean="0"/>
               <a:t>レベル</a:t>
             </a:r>
           </a:p>
           <a:p>
             <a:pPr lvl="2"/>
             <a:r>
-              <a:rPr kumimoji="1" lang="ja-JP" altLang="en-US" smtClean="0"/>
+              <a:rPr lang="ja-JP" altLang="en-US" smtClean="0"/>
               <a:t>第 </a:t>
             </a:r>
             <a:r>
-              <a:rPr kumimoji="1" lang="en-US" altLang="ja-JP" smtClean="0"/>
+              <a:rPr lang="en-US" altLang="ja-JP" smtClean="0"/>
               <a:t>3 </a:t>
             </a:r>
             <a:r>
-              <a:rPr kumimoji="1" lang="ja-JP" altLang="en-US" smtClean="0"/>
+              <a:rPr lang="ja-JP" altLang="en-US" smtClean="0"/>
               <a:t>レベル</a:t>
             </a:r>
           </a:p>
           <a:p>
             <a:pPr lvl="3"/>
             <a:r>
-              <a:rPr kumimoji="1" lang="ja-JP" altLang="en-US" smtClean="0"/>
+              <a:rPr lang="ja-JP" altLang="en-US" smtClean="0"/>
               <a:t>第 </a:t>
             </a:r>
             <a:r>
-              <a:rPr kumimoji="1" lang="en-US" altLang="ja-JP" smtClean="0"/>
+              <a:rPr lang="en-US" altLang="ja-JP" smtClean="0"/>
               <a:t>4 </a:t>
             </a:r>
             <a:r>
-              <a:rPr kumimoji="1" lang="ja-JP" altLang="en-US" smtClean="0"/>
+              <a:rPr lang="ja-JP" altLang="en-US" smtClean="0"/>
               <a:t>レベル</a:t>
             </a:r>
           </a:p>
           <a:p>
             <a:pPr lvl="4"/>
             <a:r>
-              <a:rPr kumimoji="1" lang="ja-JP" altLang="en-US" smtClean="0"/>
+              <a:rPr lang="ja-JP" altLang="en-US" smtClean="0"/>
               <a:t>第 </a:t>
             </a:r>
             <a:r>
-              <a:rPr kumimoji="1" lang="en-US" altLang="ja-JP" smtClean="0"/>
+              <a:rPr lang="en-US" altLang="ja-JP" smtClean="0"/>
               <a:t>5 </a:t>
             </a:r>
             <a:r>
-              <a:rPr kumimoji="1" lang="ja-JP" altLang="en-US" smtClean="0"/>
+              <a:rPr lang="ja-JP" altLang="en-US" smtClean="0"/>
               <a:t>レベル</a:t>
             </a:r>
-            <a:endParaRPr kumimoji="1" lang="ja-JP" altLang="en-US"/>
+            <a:endParaRPr lang="en-US" dirty="0"/>
           </a:p>
         </p:txBody>
       </p:sp>
       <p:sp>
         <p:nvSpPr>
-          <p:cNvPr id="4" name="日付プレースホルダー 3"/>
+          <p:cNvPr id="4" name="Date Placeholder 3"/>
           <p:cNvSpPr>
             <a:spLocks noGrp="1"/>
           </p:cNvSpPr>
@@ -854,7 +859,7 @@
           <a:p>
             <a:fld id="{9A71CB4E-438A-4ABF-AF70-4B3C1C856AFA}" type="datetimeFigureOut">
               <a:rPr kumimoji="1" lang="ja-JP" altLang="en-US" smtClean="0"/>
-              <a:t>2020/1/27</a:t>
+              <a:t>2020/1/28</a:t>
             </a:fld>
             <a:endParaRPr kumimoji="1" lang="ja-JP" altLang="en-US"/>
           </a:p>
@@ -862,7 +867,7 @@
       </p:sp>
       <p:sp>
         <p:nvSpPr>
-          <p:cNvPr id="5" name="フッター プレースホルダー 4"/>
+          <p:cNvPr id="5" name="Footer Placeholder 4"/>
           <p:cNvSpPr>
             <a:spLocks noGrp="1"/>
           </p:cNvSpPr>
@@ -881,7 +886,7 @@
       </p:sp>
       <p:sp>
         <p:nvSpPr>
-          <p:cNvPr id="6" name="スライド番号プレースホルダー 5"/>
+          <p:cNvPr id="6" name="Slide Number Placeholder 5"/>
           <p:cNvSpPr>
             <a:spLocks noGrp="1"/>
           </p:cNvSpPr>
@@ -905,7 +910,7 @@
     </p:spTree>
     <p:extLst>
       <p:ext uri="{BB962C8B-B14F-4D97-AF65-F5344CB8AC3E}">
-        <p14:creationId xmlns:p14="http://schemas.microsoft.com/office/powerpoint/2010/main" val="556023742"/>
+        <p14:creationId xmlns:p14="http://schemas.microsoft.com/office/powerpoint/2010/main" val="318560273"/>
       </p:ext>
     </p:extLst>
   </p:cSld>
@@ -934,7 +939,7 @@
       </p:grpSpPr>
       <p:sp>
         <p:nvSpPr>
-          <p:cNvPr id="2" name="タイトル 1"/>
+          <p:cNvPr id="2" name="Title 1"/>
           <p:cNvSpPr>
             <a:spLocks noGrp="1"/>
           </p:cNvSpPr>
@@ -944,8 +949,8 @@
         </p:nvSpPr>
         <p:spPr>
           <a:xfrm>
-            <a:off x="831850" y="1709738"/>
-            <a:ext cx="10515600" cy="2852737"/>
+            <a:off x="675879" y="1709740"/>
+            <a:ext cx="8543925" cy="2852737"/>
           </a:xfrm>
         </p:spPr>
         <p:txBody>
@@ -957,16 +962,16 @@
           </a:lstStyle>
           <a:p>
             <a:r>
-              <a:rPr kumimoji="1" lang="ja-JP" altLang="en-US" smtClean="0"/>
+              <a:rPr lang="ja-JP" altLang="en-US" smtClean="0"/>
               <a:t>マスター タイトルの書式設定</a:t>
             </a:r>
-            <a:endParaRPr kumimoji="1" lang="ja-JP" altLang="en-US"/>
+            <a:endParaRPr lang="en-US" dirty="0"/>
           </a:p>
         </p:txBody>
       </p:sp>
       <p:sp>
         <p:nvSpPr>
-          <p:cNvPr id="3" name="テキスト プレースホルダー 2"/>
+          <p:cNvPr id="3" name="Text Placeholder 2"/>
           <p:cNvSpPr>
             <a:spLocks noGrp="1"/>
           </p:cNvSpPr>
@@ -976,8 +981,8 @@
         </p:nvSpPr>
         <p:spPr>
           <a:xfrm>
-            <a:off x="831850" y="4589463"/>
-            <a:ext cx="10515600" cy="1500187"/>
+            <a:off x="675879" y="4589465"/>
+            <a:ext cx="8543925" cy="1500187"/>
           </a:xfrm>
         </p:spPr>
         <p:txBody>
@@ -987,9 +992,7 @@
               <a:buNone/>
               <a:defRPr sz="2400">
                 <a:solidFill>
-                  <a:schemeClr val="tx1">
-                    <a:tint val="75000"/>
-                  </a:schemeClr>
+                  <a:schemeClr val="tx1"/>
                 </a:solidFill>
               </a:defRPr>
             </a:lvl1pPr>
@@ -1077,7 +1080,7 @@
           <a:p>
             <a:pPr lvl="0"/>
             <a:r>
-              <a:rPr kumimoji="1" lang="ja-JP" altLang="en-US" smtClean="0"/>
+              <a:rPr lang="ja-JP" altLang="en-US" smtClean="0"/>
               <a:t>マスター テキストの書式設定</a:t>
             </a:r>
           </a:p>
@@ -1085,7 +1088,7 @@
       </p:sp>
       <p:sp>
         <p:nvSpPr>
-          <p:cNvPr id="4" name="日付プレースホルダー 3"/>
+          <p:cNvPr id="4" name="Date Placeholder 3"/>
           <p:cNvSpPr>
             <a:spLocks noGrp="1"/>
           </p:cNvSpPr>
@@ -1100,7 +1103,7 @@
           <a:p>
             <a:fld id="{9A71CB4E-438A-4ABF-AF70-4B3C1C856AFA}" type="datetimeFigureOut">
               <a:rPr kumimoji="1" lang="ja-JP" altLang="en-US" smtClean="0"/>
-              <a:t>2020/1/27</a:t>
+              <a:t>2020/1/28</a:t>
             </a:fld>
             <a:endParaRPr kumimoji="1" lang="ja-JP" altLang="en-US"/>
           </a:p>
@@ -1108,7 +1111,7 @@
       </p:sp>
       <p:sp>
         <p:nvSpPr>
-          <p:cNvPr id="5" name="フッター プレースホルダー 4"/>
+          <p:cNvPr id="5" name="Footer Placeholder 4"/>
           <p:cNvSpPr>
             <a:spLocks noGrp="1"/>
           </p:cNvSpPr>
@@ -1127,7 +1130,7 @@
       </p:sp>
       <p:sp>
         <p:nvSpPr>
-          <p:cNvPr id="6" name="スライド番号プレースホルダー 5"/>
+          <p:cNvPr id="6" name="Slide Number Placeholder 5"/>
           <p:cNvSpPr>
             <a:spLocks noGrp="1"/>
           </p:cNvSpPr>
@@ -1151,7 +1154,7 @@
     </p:spTree>
     <p:extLst>
       <p:ext uri="{BB962C8B-B14F-4D97-AF65-F5344CB8AC3E}">
-        <p14:creationId xmlns:p14="http://schemas.microsoft.com/office/powerpoint/2010/main" val="2812099976"/>
+        <p14:creationId xmlns:p14="http://schemas.microsoft.com/office/powerpoint/2010/main" val="1575311338"/>
       </p:ext>
     </p:extLst>
   </p:cSld>
@@ -1180,7 +1183,7 @@
       </p:grpSpPr>
       <p:sp>
         <p:nvSpPr>
-          <p:cNvPr id="2" name="タイトル 1"/>
+          <p:cNvPr id="2" name="Title 1"/>
           <p:cNvSpPr>
             <a:spLocks noGrp="1"/>
           </p:cNvSpPr>
@@ -1194,16 +1197,16 @@
           <a:lstStyle/>
           <a:p>
             <a:r>
-              <a:rPr kumimoji="1" lang="ja-JP" altLang="en-US" smtClean="0"/>
+              <a:rPr lang="ja-JP" altLang="en-US" smtClean="0"/>
               <a:t>マスター タイトルの書式設定</a:t>
             </a:r>
-            <a:endParaRPr kumimoji="1" lang="ja-JP" altLang="en-US"/>
+            <a:endParaRPr lang="en-US" dirty="0"/>
           </a:p>
         </p:txBody>
       </p:sp>
       <p:sp>
         <p:nvSpPr>
-          <p:cNvPr id="3" name="コンテンツ プレースホルダー 2"/>
+          <p:cNvPr id="3" name="Content Placeholder 2"/>
           <p:cNvSpPr>
             <a:spLocks noGrp="1"/>
           </p:cNvSpPr>
@@ -1213,8 +1216,8 @@
         </p:nvSpPr>
         <p:spPr>
           <a:xfrm>
-            <a:off x="838200" y="1825625"/>
-            <a:ext cx="5181600" cy="4351338"/>
+            <a:off x="681038" y="1825625"/>
+            <a:ext cx="4210050" cy="4351338"/>
           </a:xfrm>
         </p:spPr>
         <p:txBody>
@@ -1223,76 +1226,76 @@
           <a:p>
             <a:pPr lvl="0"/>
             <a:r>
-              <a:rPr kumimoji="1" lang="ja-JP" altLang="en-US" smtClean="0"/>
+              <a:rPr lang="ja-JP" altLang="en-US" smtClean="0"/>
               <a:t>マスター テキストの書式設定</a:t>
             </a:r>
           </a:p>
           <a:p>
             <a:pPr lvl="1"/>
             <a:r>
-              <a:rPr kumimoji="1" lang="ja-JP" altLang="en-US" smtClean="0"/>
+              <a:rPr lang="ja-JP" altLang="en-US" smtClean="0"/>
               <a:t>第 </a:t>
             </a:r>
             <a:r>
-              <a:rPr kumimoji="1" lang="en-US" altLang="ja-JP" smtClean="0"/>
+              <a:rPr lang="en-US" altLang="ja-JP" smtClean="0"/>
               <a:t>2 </a:t>
             </a:r>
             <a:r>
-              <a:rPr kumimoji="1" lang="ja-JP" altLang="en-US" smtClean="0"/>
+              <a:rPr lang="ja-JP" altLang="en-US" smtClean="0"/>
               <a:t>レベル</a:t>
             </a:r>
           </a:p>
           <a:p>
             <a:pPr lvl="2"/>
             <a:r>
-              <a:rPr kumimoji="1" lang="ja-JP" altLang="en-US" smtClean="0"/>
+              <a:rPr lang="ja-JP" altLang="en-US" smtClean="0"/>
               <a:t>第 </a:t>
             </a:r>
             <a:r>
-              <a:rPr kumimoji="1" lang="en-US" altLang="ja-JP" smtClean="0"/>
+              <a:rPr lang="en-US" altLang="ja-JP" smtClean="0"/>
               <a:t>3 </a:t>
             </a:r>
             <a:r>
-              <a:rPr kumimoji="1" lang="ja-JP" altLang="en-US" smtClean="0"/>
+              <a:rPr lang="ja-JP" altLang="en-US" smtClean="0"/>
               <a:t>レベル</a:t>
             </a:r>
           </a:p>
           <a:p>
             <a:pPr lvl="3"/>
             <a:r>
-              <a:rPr kumimoji="1" lang="ja-JP" altLang="en-US" smtClean="0"/>
+              <a:rPr lang="ja-JP" altLang="en-US" smtClean="0"/>
               <a:t>第 </a:t>
             </a:r>
             <a:r>
-              <a:rPr kumimoji="1" lang="en-US" altLang="ja-JP" smtClean="0"/>
+              <a:rPr lang="en-US" altLang="ja-JP" smtClean="0"/>
               <a:t>4 </a:t>
             </a:r>
             <a:r>
-              <a:rPr kumimoji="1" lang="ja-JP" altLang="en-US" smtClean="0"/>
+              <a:rPr lang="ja-JP" altLang="en-US" smtClean="0"/>
               <a:t>レベル</a:t>
             </a:r>
           </a:p>
           <a:p>
             <a:pPr lvl="4"/>
             <a:r>
-              <a:rPr kumimoji="1" lang="ja-JP" altLang="en-US" smtClean="0"/>
+              <a:rPr lang="ja-JP" altLang="en-US" smtClean="0"/>
               <a:t>第 </a:t>
             </a:r>
             <a:r>
-              <a:rPr kumimoji="1" lang="en-US" altLang="ja-JP" smtClean="0"/>
+              <a:rPr lang="en-US" altLang="ja-JP" smtClean="0"/>
               <a:t>5 </a:t>
             </a:r>
             <a:r>
-              <a:rPr kumimoji="1" lang="ja-JP" altLang="en-US" smtClean="0"/>
+              <a:rPr lang="ja-JP" altLang="en-US" smtClean="0"/>
               <a:t>レベル</a:t>
             </a:r>
-            <a:endParaRPr kumimoji="1" lang="ja-JP" altLang="en-US"/>
+            <a:endParaRPr lang="en-US" dirty="0"/>
           </a:p>
         </p:txBody>
       </p:sp>
       <p:sp>
         <p:nvSpPr>
-          <p:cNvPr id="4" name="コンテンツ プレースホルダー 3"/>
+          <p:cNvPr id="4" name="Content Placeholder 3"/>
           <p:cNvSpPr>
             <a:spLocks noGrp="1"/>
           </p:cNvSpPr>
@@ -1302,8 +1305,8 @@
         </p:nvSpPr>
         <p:spPr>
           <a:xfrm>
-            <a:off x="6172200" y="1825625"/>
-            <a:ext cx="5181600" cy="4351338"/>
+            <a:off x="5014913" y="1825625"/>
+            <a:ext cx="4210050" cy="4351338"/>
           </a:xfrm>
         </p:spPr>
         <p:txBody>
@@ -1312,76 +1315,76 @@
           <a:p>
             <a:pPr lvl="0"/>
             <a:r>
-              <a:rPr kumimoji="1" lang="ja-JP" altLang="en-US" smtClean="0"/>
+              <a:rPr lang="ja-JP" altLang="en-US" smtClean="0"/>
               <a:t>マスター テキストの書式設定</a:t>
             </a:r>
           </a:p>
           <a:p>
             <a:pPr lvl="1"/>
             <a:r>
-              <a:rPr kumimoji="1" lang="ja-JP" altLang="en-US" smtClean="0"/>
+              <a:rPr lang="ja-JP" altLang="en-US" smtClean="0"/>
               <a:t>第 </a:t>
             </a:r>
             <a:r>
-              <a:rPr kumimoji="1" lang="en-US" altLang="ja-JP" smtClean="0"/>
+              <a:rPr lang="en-US" altLang="ja-JP" smtClean="0"/>
               <a:t>2 </a:t>
             </a:r>
             <a:r>
-              <a:rPr kumimoji="1" lang="ja-JP" altLang="en-US" smtClean="0"/>
+              <a:rPr lang="ja-JP" altLang="en-US" smtClean="0"/>
               <a:t>レベル</a:t>
             </a:r>
           </a:p>
           <a:p>
             <a:pPr lvl="2"/>
             <a:r>
-              <a:rPr kumimoji="1" lang="ja-JP" altLang="en-US" smtClean="0"/>
+              <a:rPr lang="ja-JP" altLang="en-US" smtClean="0"/>
               <a:t>第 </a:t>
             </a:r>
             <a:r>
-              <a:rPr kumimoji="1" lang="en-US" altLang="ja-JP" smtClean="0"/>
+              <a:rPr lang="en-US" altLang="ja-JP" smtClean="0"/>
               <a:t>3 </a:t>
             </a:r>
             <a:r>
-              <a:rPr kumimoji="1" lang="ja-JP" altLang="en-US" smtClean="0"/>
+              <a:rPr lang="ja-JP" altLang="en-US" smtClean="0"/>
               <a:t>レベル</a:t>
             </a:r>
           </a:p>
           <a:p>
             <a:pPr lvl="3"/>
             <a:r>
-              <a:rPr kumimoji="1" lang="ja-JP" altLang="en-US" smtClean="0"/>
+              <a:rPr lang="ja-JP" altLang="en-US" smtClean="0"/>
               <a:t>第 </a:t>
             </a:r>
             <a:r>
-              <a:rPr kumimoji="1" lang="en-US" altLang="ja-JP" smtClean="0"/>
+              <a:rPr lang="en-US" altLang="ja-JP" smtClean="0"/>
               <a:t>4 </a:t>
             </a:r>
             <a:r>
-              <a:rPr kumimoji="1" lang="ja-JP" altLang="en-US" smtClean="0"/>
+              <a:rPr lang="ja-JP" altLang="en-US" smtClean="0"/>
               <a:t>レベル</a:t>
             </a:r>
           </a:p>
           <a:p>
             <a:pPr lvl="4"/>
             <a:r>
-              <a:rPr kumimoji="1" lang="ja-JP" altLang="en-US" smtClean="0"/>
+              <a:rPr lang="ja-JP" altLang="en-US" smtClean="0"/>
               <a:t>第 </a:t>
             </a:r>
             <a:r>
-              <a:rPr kumimoji="1" lang="en-US" altLang="ja-JP" smtClean="0"/>
+              <a:rPr lang="en-US" altLang="ja-JP" smtClean="0"/>
               <a:t>5 </a:t>
             </a:r>
             <a:r>
-              <a:rPr kumimoji="1" lang="ja-JP" altLang="en-US" smtClean="0"/>
+              <a:rPr lang="ja-JP" altLang="en-US" smtClean="0"/>
               <a:t>レベル</a:t>
             </a:r>
-            <a:endParaRPr kumimoji="1" lang="ja-JP" altLang="en-US"/>
+            <a:endParaRPr lang="en-US" dirty="0"/>
           </a:p>
         </p:txBody>
       </p:sp>
       <p:sp>
         <p:nvSpPr>
-          <p:cNvPr id="5" name="日付プレースホルダー 4"/>
+          <p:cNvPr id="5" name="Date Placeholder 4"/>
           <p:cNvSpPr>
             <a:spLocks noGrp="1"/>
           </p:cNvSpPr>
@@ -1396,7 +1399,7 @@
           <a:p>
             <a:fld id="{9A71CB4E-438A-4ABF-AF70-4B3C1C856AFA}" type="datetimeFigureOut">
               <a:rPr kumimoji="1" lang="ja-JP" altLang="en-US" smtClean="0"/>
-              <a:t>2020/1/27</a:t>
+              <a:t>2020/1/28</a:t>
             </a:fld>
             <a:endParaRPr kumimoji="1" lang="ja-JP" altLang="en-US"/>
           </a:p>
@@ -1404,7 +1407,7 @@
       </p:sp>
       <p:sp>
         <p:nvSpPr>
-          <p:cNvPr id="6" name="フッター プレースホルダー 5"/>
+          <p:cNvPr id="6" name="Footer Placeholder 5"/>
           <p:cNvSpPr>
             <a:spLocks noGrp="1"/>
           </p:cNvSpPr>
@@ -1423,7 +1426,7 @@
       </p:sp>
       <p:sp>
         <p:nvSpPr>
-          <p:cNvPr id="7" name="スライド番号プレースホルダー 6"/>
+          <p:cNvPr id="7" name="Slide Number Placeholder 6"/>
           <p:cNvSpPr>
             <a:spLocks noGrp="1"/>
           </p:cNvSpPr>
@@ -1447,7 +1450,7 @@
     </p:spTree>
     <p:extLst>
       <p:ext uri="{BB962C8B-B14F-4D97-AF65-F5344CB8AC3E}">
-        <p14:creationId xmlns:p14="http://schemas.microsoft.com/office/powerpoint/2010/main" val="1110885665"/>
+        <p14:creationId xmlns:p14="http://schemas.microsoft.com/office/powerpoint/2010/main" val="357215211"/>
       </p:ext>
     </p:extLst>
   </p:cSld>
@@ -1476,7 +1479,7 @@
       </p:grpSpPr>
       <p:sp>
         <p:nvSpPr>
-          <p:cNvPr id="2" name="タイトル 1"/>
+          <p:cNvPr id="2" name="Title 1"/>
           <p:cNvSpPr>
             <a:spLocks noGrp="1"/>
           </p:cNvSpPr>
@@ -1486,8 +1489,8 @@
         </p:nvSpPr>
         <p:spPr>
           <a:xfrm>
-            <a:off x="839788" y="365125"/>
-            <a:ext cx="10515600" cy="1325563"/>
+            <a:off x="682328" y="365127"/>
+            <a:ext cx="8543925" cy="1325563"/>
           </a:xfrm>
         </p:spPr>
         <p:txBody>
@@ -1495,16 +1498,16 @@
           <a:lstStyle/>
           <a:p>
             <a:r>
-              <a:rPr kumimoji="1" lang="ja-JP" altLang="en-US" smtClean="0"/>
+              <a:rPr lang="ja-JP" altLang="en-US" smtClean="0"/>
               <a:t>マスター タイトルの書式設定</a:t>
             </a:r>
-            <a:endParaRPr kumimoji="1" lang="ja-JP" altLang="en-US"/>
+            <a:endParaRPr lang="en-US" dirty="0"/>
           </a:p>
         </p:txBody>
       </p:sp>
       <p:sp>
         <p:nvSpPr>
-          <p:cNvPr id="3" name="テキスト プレースホルダー 2"/>
+          <p:cNvPr id="3" name="Text Placeholder 2"/>
           <p:cNvSpPr>
             <a:spLocks noGrp="1"/>
           </p:cNvSpPr>
@@ -1514,8 +1517,8 @@
         </p:nvSpPr>
         <p:spPr>
           <a:xfrm>
-            <a:off x="839788" y="1681163"/>
-            <a:ext cx="5157787" cy="823912"/>
+            <a:off x="682329" y="1681163"/>
+            <a:ext cx="4190702" cy="823912"/>
           </a:xfrm>
         </p:spPr>
         <p:txBody>
@@ -1561,7 +1564,7 @@
           <a:p>
             <a:pPr lvl="0"/>
             <a:r>
-              <a:rPr kumimoji="1" lang="ja-JP" altLang="en-US" smtClean="0"/>
+              <a:rPr lang="ja-JP" altLang="en-US" smtClean="0"/>
               <a:t>マスター テキストの書式設定</a:t>
             </a:r>
           </a:p>
@@ -1569,7 +1572,7 @@
       </p:sp>
       <p:sp>
         <p:nvSpPr>
-          <p:cNvPr id="4" name="コンテンツ プレースホルダー 3"/>
+          <p:cNvPr id="4" name="Content Placeholder 3"/>
           <p:cNvSpPr>
             <a:spLocks noGrp="1"/>
           </p:cNvSpPr>
@@ -1579,8 +1582,8 @@
         </p:nvSpPr>
         <p:spPr>
           <a:xfrm>
-            <a:off x="839788" y="2505075"/>
-            <a:ext cx="5157787" cy="3684588"/>
+            <a:off x="682329" y="2505075"/>
+            <a:ext cx="4190702" cy="3684588"/>
           </a:xfrm>
         </p:spPr>
         <p:txBody>
@@ -1589,76 +1592,76 @@
           <a:p>
             <a:pPr lvl="0"/>
             <a:r>
-              <a:rPr kumimoji="1" lang="ja-JP" altLang="en-US" smtClean="0"/>
+              <a:rPr lang="ja-JP" altLang="en-US" smtClean="0"/>
               <a:t>マスター テキストの書式設定</a:t>
             </a:r>
           </a:p>
           <a:p>
             <a:pPr lvl="1"/>
             <a:r>
-              <a:rPr kumimoji="1" lang="ja-JP" altLang="en-US" smtClean="0"/>
+              <a:rPr lang="ja-JP" altLang="en-US" smtClean="0"/>
               <a:t>第 </a:t>
             </a:r>
             <a:r>
-              <a:rPr kumimoji="1" lang="en-US" altLang="ja-JP" smtClean="0"/>
+              <a:rPr lang="en-US" altLang="ja-JP" smtClean="0"/>
               <a:t>2 </a:t>
             </a:r>
             <a:r>
-              <a:rPr kumimoji="1" lang="ja-JP" altLang="en-US" smtClean="0"/>
+              <a:rPr lang="ja-JP" altLang="en-US" smtClean="0"/>
               <a:t>レベル</a:t>
             </a:r>
           </a:p>
           <a:p>
             <a:pPr lvl="2"/>
             <a:r>
-              <a:rPr kumimoji="1" lang="ja-JP" altLang="en-US" smtClean="0"/>
+              <a:rPr lang="ja-JP" altLang="en-US" smtClean="0"/>
               <a:t>第 </a:t>
             </a:r>
             <a:r>
-              <a:rPr kumimoji="1" lang="en-US" altLang="ja-JP" smtClean="0"/>
+              <a:rPr lang="en-US" altLang="ja-JP" smtClean="0"/>
               <a:t>3 </a:t>
             </a:r>
             <a:r>
-              <a:rPr kumimoji="1" lang="ja-JP" altLang="en-US" smtClean="0"/>
+              <a:rPr lang="ja-JP" altLang="en-US" smtClean="0"/>
               <a:t>レベル</a:t>
             </a:r>
           </a:p>
           <a:p>
             <a:pPr lvl="3"/>
             <a:r>
-              <a:rPr kumimoji="1" lang="ja-JP" altLang="en-US" smtClean="0"/>
+              <a:rPr lang="ja-JP" altLang="en-US" smtClean="0"/>
               <a:t>第 </a:t>
             </a:r>
             <a:r>
-              <a:rPr kumimoji="1" lang="en-US" altLang="ja-JP" smtClean="0"/>
+              <a:rPr lang="en-US" altLang="ja-JP" smtClean="0"/>
               <a:t>4 </a:t>
             </a:r>
             <a:r>
-              <a:rPr kumimoji="1" lang="ja-JP" altLang="en-US" smtClean="0"/>
+              <a:rPr lang="ja-JP" altLang="en-US" smtClean="0"/>
               <a:t>レベル</a:t>
             </a:r>
           </a:p>
           <a:p>
             <a:pPr lvl="4"/>
             <a:r>
-              <a:rPr kumimoji="1" lang="ja-JP" altLang="en-US" smtClean="0"/>
+              <a:rPr lang="ja-JP" altLang="en-US" smtClean="0"/>
               <a:t>第 </a:t>
             </a:r>
             <a:r>
-              <a:rPr kumimoji="1" lang="en-US" altLang="ja-JP" smtClean="0"/>
+              <a:rPr lang="en-US" altLang="ja-JP" smtClean="0"/>
               <a:t>5 </a:t>
             </a:r>
             <a:r>
-              <a:rPr kumimoji="1" lang="ja-JP" altLang="en-US" smtClean="0"/>
+              <a:rPr lang="ja-JP" altLang="en-US" smtClean="0"/>
               <a:t>レベル</a:t>
             </a:r>
-            <a:endParaRPr kumimoji="1" lang="ja-JP" altLang="en-US"/>
+            <a:endParaRPr lang="en-US" dirty="0"/>
           </a:p>
         </p:txBody>
       </p:sp>
       <p:sp>
         <p:nvSpPr>
-          <p:cNvPr id="5" name="テキスト プレースホルダー 4"/>
+          <p:cNvPr id="5" name="Text Placeholder 4"/>
           <p:cNvSpPr>
             <a:spLocks noGrp="1"/>
           </p:cNvSpPr>
@@ -1668,8 +1671,8 @@
         </p:nvSpPr>
         <p:spPr>
           <a:xfrm>
-            <a:off x="6172200" y="1681163"/>
-            <a:ext cx="5183188" cy="823912"/>
+            <a:off x="5014913" y="1681163"/>
+            <a:ext cx="4211340" cy="823912"/>
           </a:xfrm>
         </p:spPr>
         <p:txBody>
@@ -1715,7 +1718,7 @@
           <a:p>
             <a:pPr lvl="0"/>
             <a:r>
-              <a:rPr kumimoji="1" lang="ja-JP" altLang="en-US" smtClean="0"/>
+              <a:rPr lang="ja-JP" altLang="en-US" smtClean="0"/>
               <a:t>マスター テキストの書式設定</a:t>
             </a:r>
           </a:p>
@@ -1723,7 +1726,7 @@
       </p:sp>
       <p:sp>
         <p:nvSpPr>
-          <p:cNvPr id="6" name="コンテンツ プレースホルダー 5"/>
+          <p:cNvPr id="6" name="Content Placeholder 5"/>
           <p:cNvSpPr>
             <a:spLocks noGrp="1"/>
           </p:cNvSpPr>
@@ -1733,8 +1736,8 @@
         </p:nvSpPr>
         <p:spPr>
           <a:xfrm>
-            <a:off x="6172200" y="2505075"/>
-            <a:ext cx="5183188" cy="3684588"/>
+            <a:off x="5014913" y="2505075"/>
+            <a:ext cx="4211340" cy="3684588"/>
           </a:xfrm>
         </p:spPr>
         <p:txBody>
@@ -1743,76 +1746,76 @@
           <a:p>
             <a:pPr lvl="0"/>
             <a:r>
-              <a:rPr kumimoji="1" lang="ja-JP" altLang="en-US" smtClean="0"/>
+              <a:rPr lang="ja-JP" altLang="en-US" smtClean="0"/>
               <a:t>マスター テキストの書式設定</a:t>
             </a:r>
           </a:p>
           <a:p>
             <a:pPr lvl="1"/>
             <a:r>
-              <a:rPr kumimoji="1" lang="ja-JP" altLang="en-US" smtClean="0"/>
+              <a:rPr lang="ja-JP" altLang="en-US" smtClean="0"/>
               <a:t>第 </a:t>
             </a:r>
             <a:r>
-              <a:rPr kumimoji="1" lang="en-US" altLang="ja-JP" smtClean="0"/>
+              <a:rPr lang="en-US" altLang="ja-JP" smtClean="0"/>
               <a:t>2 </a:t>
             </a:r>
             <a:r>
-              <a:rPr kumimoji="1" lang="ja-JP" altLang="en-US" smtClean="0"/>
+              <a:rPr lang="ja-JP" altLang="en-US" smtClean="0"/>
               <a:t>レベル</a:t>
             </a:r>
           </a:p>
           <a:p>
             <a:pPr lvl="2"/>
             <a:r>
-              <a:rPr kumimoji="1" lang="ja-JP" altLang="en-US" smtClean="0"/>
+              <a:rPr lang="ja-JP" altLang="en-US" smtClean="0"/>
               <a:t>第 </a:t>
             </a:r>
             <a:r>
-              <a:rPr kumimoji="1" lang="en-US" altLang="ja-JP" smtClean="0"/>
+              <a:rPr lang="en-US" altLang="ja-JP" smtClean="0"/>
               <a:t>3 </a:t>
             </a:r>
             <a:r>
-              <a:rPr kumimoji="1" lang="ja-JP" altLang="en-US" smtClean="0"/>
+              <a:rPr lang="ja-JP" altLang="en-US" smtClean="0"/>
               <a:t>レベル</a:t>
             </a:r>
           </a:p>
           <a:p>
             <a:pPr lvl="3"/>
             <a:r>
-              <a:rPr kumimoji="1" lang="ja-JP" altLang="en-US" smtClean="0"/>
+              <a:rPr lang="ja-JP" altLang="en-US" smtClean="0"/>
               <a:t>第 </a:t>
             </a:r>
             <a:r>
-              <a:rPr kumimoji="1" lang="en-US" altLang="ja-JP" smtClean="0"/>
+              <a:rPr lang="en-US" altLang="ja-JP" smtClean="0"/>
               <a:t>4 </a:t>
             </a:r>
             <a:r>
-              <a:rPr kumimoji="1" lang="ja-JP" altLang="en-US" smtClean="0"/>
+              <a:rPr lang="ja-JP" altLang="en-US" smtClean="0"/>
               <a:t>レベル</a:t>
             </a:r>
           </a:p>
           <a:p>
             <a:pPr lvl="4"/>
             <a:r>
-              <a:rPr kumimoji="1" lang="ja-JP" altLang="en-US" smtClean="0"/>
+              <a:rPr lang="ja-JP" altLang="en-US" smtClean="0"/>
               <a:t>第 </a:t>
             </a:r>
             <a:r>
-              <a:rPr kumimoji="1" lang="en-US" altLang="ja-JP" smtClean="0"/>
+              <a:rPr lang="en-US" altLang="ja-JP" smtClean="0"/>
               <a:t>5 </a:t>
             </a:r>
             <a:r>
-              <a:rPr kumimoji="1" lang="ja-JP" altLang="en-US" smtClean="0"/>
+              <a:rPr lang="ja-JP" altLang="en-US" smtClean="0"/>
               <a:t>レベル</a:t>
             </a:r>
-            <a:endParaRPr kumimoji="1" lang="ja-JP" altLang="en-US"/>
+            <a:endParaRPr lang="en-US" dirty="0"/>
           </a:p>
         </p:txBody>
       </p:sp>
       <p:sp>
         <p:nvSpPr>
-          <p:cNvPr id="7" name="日付プレースホルダー 6"/>
+          <p:cNvPr id="7" name="Date Placeholder 6"/>
           <p:cNvSpPr>
             <a:spLocks noGrp="1"/>
           </p:cNvSpPr>
@@ -1827,7 +1830,7 @@
           <a:p>
             <a:fld id="{9A71CB4E-438A-4ABF-AF70-4B3C1C856AFA}" type="datetimeFigureOut">
               <a:rPr kumimoji="1" lang="ja-JP" altLang="en-US" smtClean="0"/>
-              <a:t>2020/1/27</a:t>
+              <a:t>2020/1/28</a:t>
             </a:fld>
             <a:endParaRPr kumimoji="1" lang="ja-JP" altLang="en-US"/>
           </a:p>
@@ -1835,7 +1838,7 @@
       </p:sp>
       <p:sp>
         <p:nvSpPr>
-          <p:cNvPr id="8" name="フッター プレースホルダー 7"/>
+          <p:cNvPr id="8" name="Footer Placeholder 7"/>
           <p:cNvSpPr>
             <a:spLocks noGrp="1"/>
           </p:cNvSpPr>
@@ -1854,7 +1857,7 @@
       </p:sp>
       <p:sp>
         <p:nvSpPr>
-          <p:cNvPr id="9" name="スライド番号プレースホルダー 8"/>
+          <p:cNvPr id="9" name="Slide Number Placeholder 8"/>
           <p:cNvSpPr>
             <a:spLocks noGrp="1"/>
           </p:cNvSpPr>
@@ -1878,7 +1881,7 @@
     </p:spTree>
     <p:extLst>
       <p:ext uri="{BB962C8B-B14F-4D97-AF65-F5344CB8AC3E}">
-        <p14:creationId xmlns:p14="http://schemas.microsoft.com/office/powerpoint/2010/main" val="503667697"/>
+        <p14:creationId xmlns:p14="http://schemas.microsoft.com/office/powerpoint/2010/main" val="1390447861"/>
       </p:ext>
     </p:extLst>
   </p:cSld>
@@ -1907,7 +1910,7 @@
       </p:grpSpPr>
       <p:sp>
         <p:nvSpPr>
-          <p:cNvPr id="2" name="タイトル 1"/>
+          <p:cNvPr id="2" name="Title 1"/>
           <p:cNvSpPr>
             <a:spLocks noGrp="1"/>
           </p:cNvSpPr>
@@ -1921,16 +1924,16 @@
           <a:lstStyle/>
           <a:p>
             <a:r>
-              <a:rPr kumimoji="1" lang="ja-JP" altLang="en-US" smtClean="0"/>
+              <a:rPr lang="ja-JP" altLang="en-US" smtClean="0"/>
               <a:t>マスター タイトルの書式設定</a:t>
             </a:r>
-            <a:endParaRPr kumimoji="1" lang="ja-JP" altLang="en-US"/>
+            <a:endParaRPr lang="en-US" dirty="0"/>
           </a:p>
         </p:txBody>
       </p:sp>
       <p:sp>
         <p:nvSpPr>
-          <p:cNvPr id="3" name="日付プレースホルダー 2"/>
+          <p:cNvPr id="3" name="Date Placeholder 2"/>
           <p:cNvSpPr>
             <a:spLocks noGrp="1"/>
           </p:cNvSpPr>
@@ -1945,7 +1948,7 @@
           <a:p>
             <a:fld id="{9A71CB4E-438A-4ABF-AF70-4B3C1C856AFA}" type="datetimeFigureOut">
               <a:rPr kumimoji="1" lang="ja-JP" altLang="en-US" smtClean="0"/>
-              <a:t>2020/1/27</a:t>
+              <a:t>2020/1/28</a:t>
             </a:fld>
             <a:endParaRPr kumimoji="1" lang="ja-JP" altLang="en-US"/>
           </a:p>
@@ -1953,7 +1956,7 @@
       </p:sp>
       <p:sp>
         <p:nvSpPr>
-          <p:cNvPr id="4" name="フッター プレースホルダー 3"/>
+          <p:cNvPr id="4" name="Footer Placeholder 3"/>
           <p:cNvSpPr>
             <a:spLocks noGrp="1"/>
           </p:cNvSpPr>
@@ -1972,7 +1975,7 @@
       </p:sp>
       <p:sp>
         <p:nvSpPr>
-          <p:cNvPr id="5" name="スライド番号プレースホルダー 4"/>
+          <p:cNvPr id="5" name="Slide Number Placeholder 4"/>
           <p:cNvSpPr>
             <a:spLocks noGrp="1"/>
           </p:cNvSpPr>
@@ -1996,7 +1999,7 @@
     </p:spTree>
     <p:extLst>
       <p:ext uri="{BB962C8B-B14F-4D97-AF65-F5344CB8AC3E}">
-        <p14:creationId xmlns:p14="http://schemas.microsoft.com/office/powerpoint/2010/main" val="1994544328"/>
+        <p14:creationId xmlns:p14="http://schemas.microsoft.com/office/powerpoint/2010/main" val="2789339538"/>
       </p:ext>
     </p:extLst>
   </p:cSld>
@@ -2025,7 +2028,7 @@
       </p:grpSpPr>
       <p:sp>
         <p:nvSpPr>
-          <p:cNvPr id="2" name="日付プレースホルダー 1"/>
+          <p:cNvPr id="2" name="Date Placeholder 1"/>
           <p:cNvSpPr>
             <a:spLocks noGrp="1"/>
           </p:cNvSpPr>
@@ -2040,7 +2043,7 @@
           <a:p>
             <a:fld id="{9A71CB4E-438A-4ABF-AF70-4B3C1C856AFA}" type="datetimeFigureOut">
               <a:rPr kumimoji="1" lang="ja-JP" altLang="en-US" smtClean="0"/>
-              <a:t>2020/1/27</a:t>
+              <a:t>2020/1/28</a:t>
             </a:fld>
             <a:endParaRPr kumimoji="1" lang="ja-JP" altLang="en-US"/>
           </a:p>
@@ -2048,7 +2051,7 @@
       </p:sp>
       <p:sp>
         <p:nvSpPr>
-          <p:cNvPr id="3" name="フッター プレースホルダー 2"/>
+          <p:cNvPr id="3" name="Footer Placeholder 2"/>
           <p:cNvSpPr>
             <a:spLocks noGrp="1"/>
           </p:cNvSpPr>
@@ -2067,7 +2070,7 @@
       </p:sp>
       <p:sp>
         <p:nvSpPr>
-          <p:cNvPr id="4" name="スライド番号プレースホルダー 3"/>
+          <p:cNvPr id="4" name="Slide Number Placeholder 3"/>
           <p:cNvSpPr>
             <a:spLocks noGrp="1"/>
           </p:cNvSpPr>
@@ -2091,7 +2094,7 @@
     </p:spTree>
     <p:extLst>
       <p:ext uri="{BB962C8B-B14F-4D97-AF65-F5344CB8AC3E}">
-        <p14:creationId xmlns:p14="http://schemas.microsoft.com/office/powerpoint/2010/main" val="2564367136"/>
+        <p14:creationId xmlns:p14="http://schemas.microsoft.com/office/powerpoint/2010/main" val="642552606"/>
       </p:ext>
     </p:extLst>
   </p:cSld>
@@ -2120,7 +2123,7 @@
       </p:grpSpPr>
       <p:sp>
         <p:nvSpPr>
-          <p:cNvPr id="2" name="タイトル 1"/>
+          <p:cNvPr id="2" name="Title 1"/>
           <p:cNvSpPr>
             <a:spLocks noGrp="1"/>
           </p:cNvSpPr>
@@ -2130,8 +2133,8 @@
         </p:nvSpPr>
         <p:spPr>
           <a:xfrm>
-            <a:off x="839788" y="457200"/>
-            <a:ext cx="3932237" cy="1600200"/>
+            <a:off x="682328" y="457200"/>
+            <a:ext cx="3194943" cy="1600200"/>
           </a:xfrm>
         </p:spPr>
         <p:txBody>
@@ -2143,16 +2146,16 @@
           </a:lstStyle>
           <a:p>
             <a:r>
-              <a:rPr kumimoji="1" lang="ja-JP" altLang="en-US" smtClean="0"/>
+              <a:rPr lang="ja-JP" altLang="en-US" smtClean="0"/>
               <a:t>マスター タイトルの書式設定</a:t>
             </a:r>
-            <a:endParaRPr kumimoji="1" lang="ja-JP" altLang="en-US"/>
+            <a:endParaRPr lang="en-US" dirty="0"/>
           </a:p>
         </p:txBody>
       </p:sp>
       <p:sp>
         <p:nvSpPr>
-          <p:cNvPr id="3" name="コンテンツ プレースホルダー 2"/>
+          <p:cNvPr id="3" name="Content Placeholder 2"/>
           <p:cNvSpPr>
             <a:spLocks noGrp="1"/>
           </p:cNvSpPr>
@@ -2162,8 +2165,8 @@
         </p:nvSpPr>
         <p:spPr>
           <a:xfrm>
-            <a:off x="5183188" y="987425"/>
-            <a:ext cx="6172200" cy="4873625"/>
+            <a:off x="4211340" y="987427"/>
+            <a:ext cx="5014913" cy="4873625"/>
           </a:xfrm>
         </p:spPr>
         <p:txBody>
@@ -2200,76 +2203,76 @@
           <a:p>
             <a:pPr lvl="0"/>
             <a:r>
-              <a:rPr kumimoji="1" lang="ja-JP" altLang="en-US" smtClean="0"/>
+              <a:rPr lang="ja-JP" altLang="en-US" smtClean="0"/>
               <a:t>マスター テキストの書式設定</a:t>
             </a:r>
           </a:p>
           <a:p>
             <a:pPr lvl="1"/>
             <a:r>
-              <a:rPr kumimoji="1" lang="ja-JP" altLang="en-US" smtClean="0"/>
+              <a:rPr lang="ja-JP" altLang="en-US" smtClean="0"/>
               <a:t>第 </a:t>
             </a:r>
             <a:r>
-              <a:rPr kumimoji="1" lang="en-US" altLang="ja-JP" smtClean="0"/>
+              <a:rPr lang="en-US" altLang="ja-JP" smtClean="0"/>
               <a:t>2 </a:t>
             </a:r>
             <a:r>
-              <a:rPr kumimoji="1" lang="ja-JP" altLang="en-US" smtClean="0"/>
+              <a:rPr lang="ja-JP" altLang="en-US" smtClean="0"/>
               <a:t>レベル</a:t>
             </a:r>
           </a:p>
           <a:p>
             <a:pPr lvl="2"/>
             <a:r>
-              <a:rPr kumimoji="1" lang="ja-JP" altLang="en-US" smtClean="0"/>
+              <a:rPr lang="ja-JP" altLang="en-US" smtClean="0"/>
               <a:t>第 </a:t>
             </a:r>
             <a:r>
-              <a:rPr kumimoji="1" lang="en-US" altLang="ja-JP" smtClean="0"/>
+              <a:rPr lang="en-US" altLang="ja-JP" smtClean="0"/>
               <a:t>3 </a:t>
             </a:r>
             <a:r>
-              <a:rPr kumimoji="1" lang="ja-JP" altLang="en-US" smtClean="0"/>
+              <a:rPr lang="ja-JP" altLang="en-US" smtClean="0"/>
               <a:t>レベル</a:t>
             </a:r>
           </a:p>
           <a:p>
             <a:pPr lvl="3"/>
             <a:r>
-              <a:rPr kumimoji="1" lang="ja-JP" altLang="en-US" smtClean="0"/>
+              <a:rPr lang="ja-JP" altLang="en-US" smtClean="0"/>
               <a:t>第 </a:t>
             </a:r>
             <a:r>
-              <a:rPr kumimoji="1" lang="en-US" altLang="ja-JP" smtClean="0"/>
+              <a:rPr lang="en-US" altLang="ja-JP" smtClean="0"/>
               <a:t>4 </a:t>
             </a:r>
             <a:r>
-              <a:rPr kumimoji="1" lang="ja-JP" altLang="en-US" smtClean="0"/>
+              <a:rPr lang="ja-JP" altLang="en-US" smtClean="0"/>
               <a:t>レベル</a:t>
             </a:r>
           </a:p>
           <a:p>
             <a:pPr lvl="4"/>
             <a:r>
-              <a:rPr kumimoji="1" lang="ja-JP" altLang="en-US" smtClean="0"/>
+              <a:rPr lang="ja-JP" altLang="en-US" smtClean="0"/>
               <a:t>第 </a:t>
             </a:r>
             <a:r>
-              <a:rPr kumimoji="1" lang="en-US" altLang="ja-JP" smtClean="0"/>
+              <a:rPr lang="en-US" altLang="ja-JP" smtClean="0"/>
               <a:t>5 </a:t>
             </a:r>
             <a:r>
-              <a:rPr kumimoji="1" lang="ja-JP" altLang="en-US" smtClean="0"/>
+              <a:rPr lang="ja-JP" altLang="en-US" smtClean="0"/>
               <a:t>レベル</a:t>
             </a:r>
-            <a:endParaRPr kumimoji="1" lang="ja-JP" altLang="en-US"/>
+            <a:endParaRPr lang="en-US" dirty="0"/>
           </a:p>
         </p:txBody>
       </p:sp>
       <p:sp>
         <p:nvSpPr>
-          <p:cNvPr id="4" name="テキスト プレースホルダー 3"/>
+          <p:cNvPr id="4" name="Text Placeholder 3"/>
           <p:cNvSpPr>
             <a:spLocks noGrp="1"/>
           </p:cNvSpPr>
@@ -2279,8 +2282,8 @@
         </p:nvSpPr>
         <p:spPr>
           <a:xfrm>
-            <a:off x="839788" y="2057400"/>
-            <a:ext cx="3932237" cy="3811588"/>
+            <a:off x="682328" y="2057400"/>
+            <a:ext cx="3194943" cy="3811588"/>
           </a:xfrm>
         </p:spPr>
         <p:txBody>
@@ -2326,7 +2329,7 @@
           <a:p>
             <a:pPr lvl="0"/>
             <a:r>
-              <a:rPr kumimoji="1" lang="ja-JP" altLang="en-US" smtClean="0"/>
+              <a:rPr lang="ja-JP" altLang="en-US" smtClean="0"/>
               <a:t>マスター テキストの書式設定</a:t>
             </a:r>
           </a:p>
@@ -2334,7 +2337,7 @@
       </p:sp>
       <p:sp>
         <p:nvSpPr>
-          <p:cNvPr id="5" name="日付プレースホルダー 4"/>
+          <p:cNvPr id="5" name="Date Placeholder 4"/>
           <p:cNvSpPr>
             <a:spLocks noGrp="1"/>
           </p:cNvSpPr>
@@ -2349,7 +2352,7 @@
           <a:p>
             <a:fld id="{9A71CB4E-438A-4ABF-AF70-4B3C1C856AFA}" type="datetimeFigureOut">
               <a:rPr kumimoji="1" lang="ja-JP" altLang="en-US" smtClean="0"/>
-              <a:t>2020/1/27</a:t>
+              <a:t>2020/1/28</a:t>
             </a:fld>
             <a:endParaRPr kumimoji="1" lang="ja-JP" altLang="en-US"/>
           </a:p>
@@ -2357,7 +2360,7 @@
       </p:sp>
       <p:sp>
         <p:nvSpPr>
-          <p:cNvPr id="6" name="フッター プレースホルダー 5"/>
+          <p:cNvPr id="6" name="Footer Placeholder 5"/>
           <p:cNvSpPr>
             <a:spLocks noGrp="1"/>
           </p:cNvSpPr>
@@ -2376,7 +2379,7 @@
       </p:sp>
       <p:sp>
         <p:nvSpPr>
-          <p:cNvPr id="7" name="スライド番号プレースホルダー 6"/>
+          <p:cNvPr id="7" name="Slide Number Placeholder 6"/>
           <p:cNvSpPr>
             <a:spLocks noGrp="1"/>
           </p:cNvSpPr>
@@ -2400,7 +2403,7 @@
     </p:spTree>
     <p:extLst>
       <p:ext uri="{BB962C8B-B14F-4D97-AF65-F5344CB8AC3E}">
-        <p14:creationId xmlns:p14="http://schemas.microsoft.com/office/powerpoint/2010/main" val="2683232643"/>
+        <p14:creationId xmlns:p14="http://schemas.microsoft.com/office/powerpoint/2010/main" val="614918944"/>
       </p:ext>
     </p:extLst>
   </p:cSld>
@@ -2429,7 +2432,7 @@
       </p:grpSpPr>
       <p:sp>
         <p:nvSpPr>
-          <p:cNvPr id="2" name="タイトル 1"/>
+          <p:cNvPr id="2" name="Title 1"/>
           <p:cNvSpPr>
             <a:spLocks noGrp="1"/>
           </p:cNvSpPr>
@@ -2439,8 +2442,8 @@
         </p:nvSpPr>
         <p:spPr>
           <a:xfrm>
-            <a:off x="839788" y="457200"/>
-            <a:ext cx="3932237" cy="1600200"/>
+            <a:off x="682328" y="457200"/>
+            <a:ext cx="3194943" cy="1600200"/>
           </a:xfrm>
         </p:spPr>
         <p:txBody>
@@ -2452,18 +2455,18 @@
           </a:lstStyle>
           <a:p>
             <a:r>
-              <a:rPr kumimoji="1" lang="ja-JP" altLang="en-US" smtClean="0"/>
+              <a:rPr lang="ja-JP" altLang="en-US" smtClean="0"/>
               <a:t>マスター タイトルの書式設定</a:t>
             </a:r>
-            <a:endParaRPr kumimoji="1" lang="ja-JP" altLang="en-US"/>
+            <a:endParaRPr lang="en-US" dirty="0"/>
           </a:p>
         </p:txBody>
       </p:sp>
       <p:sp>
         <p:nvSpPr>
-          <p:cNvPr id="3" name="図プレースホルダー 2"/>
+          <p:cNvPr id="3" name="Picture Placeholder 2"/>
           <p:cNvSpPr>
-            <a:spLocks noGrp="1"/>
+            <a:spLocks noGrp="1" noChangeAspect="1"/>
           </p:cNvSpPr>
           <p:nvPr>
             <p:ph type="pic" idx="1"/>
@@ -2471,12 +2474,12 @@
         </p:nvSpPr>
         <p:spPr>
           <a:xfrm>
-            <a:off x="5183188" y="987425"/>
-            <a:ext cx="6172200" cy="4873625"/>
+            <a:off x="4211340" y="987427"/>
+            <a:ext cx="5014913" cy="4873625"/>
           </a:xfrm>
         </p:spPr>
         <p:txBody>
-          <a:bodyPr/>
+          <a:bodyPr anchor="t"/>
           <a:lstStyle>
             <a:lvl1pPr marL="0" indent="0">
               <a:buNone/>
@@ -2516,13 +2519,17 @@
             </a:lvl9pPr>
           </a:lstStyle>
           <a:p>
-            <a:endParaRPr kumimoji="1" lang="ja-JP" altLang="en-US"/>
+            <a:r>
+              <a:rPr lang="ja-JP" altLang="en-US" smtClean="0"/>
+              <a:t>図を追加</a:t>
+            </a:r>
+            <a:endParaRPr lang="en-US" dirty="0"/>
           </a:p>
         </p:txBody>
       </p:sp>
       <p:sp>
         <p:nvSpPr>
-          <p:cNvPr id="4" name="テキスト プレースホルダー 3"/>
+          <p:cNvPr id="4" name="Text Placeholder 3"/>
           <p:cNvSpPr>
             <a:spLocks noGrp="1"/>
           </p:cNvSpPr>
@@ -2532,8 +2539,8 @@
         </p:nvSpPr>
         <p:spPr>
           <a:xfrm>
-            <a:off x="839788" y="2057400"/>
-            <a:ext cx="3932237" cy="3811588"/>
+            <a:off x="682328" y="2057400"/>
+            <a:ext cx="3194943" cy="3811588"/>
           </a:xfrm>
         </p:spPr>
         <p:txBody>
@@ -2579,7 +2586,7 @@
           <a:p>
             <a:pPr lvl="0"/>
             <a:r>
-              <a:rPr kumimoji="1" lang="ja-JP" altLang="en-US" smtClean="0"/>
+              <a:rPr lang="ja-JP" altLang="en-US" smtClean="0"/>
               <a:t>マスター テキストの書式設定</a:t>
             </a:r>
           </a:p>
@@ -2587,7 +2594,7 @@
       </p:sp>
       <p:sp>
         <p:nvSpPr>
-          <p:cNvPr id="5" name="日付プレースホルダー 4"/>
+          <p:cNvPr id="5" name="Date Placeholder 4"/>
           <p:cNvSpPr>
             <a:spLocks noGrp="1"/>
           </p:cNvSpPr>
@@ -2602,7 +2609,7 @@
           <a:p>
             <a:fld id="{9A71CB4E-438A-4ABF-AF70-4B3C1C856AFA}" type="datetimeFigureOut">
               <a:rPr kumimoji="1" lang="ja-JP" altLang="en-US" smtClean="0"/>
-              <a:t>2020/1/27</a:t>
+              <a:t>2020/1/28</a:t>
             </a:fld>
             <a:endParaRPr kumimoji="1" lang="ja-JP" altLang="en-US"/>
           </a:p>
@@ -2610,7 +2617,7 @@
       </p:sp>
       <p:sp>
         <p:nvSpPr>
-          <p:cNvPr id="6" name="フッター プレースホルダー 5"/>
+          <p:cNvPr id="6" name="Footer Placeholder 5"/>
           <p:cNvSpPr>
             <a:spLocks noGrp="1"/>
           </p:cNvSpPr>
@@ -2629,7 +2636,7 @@
       </p:sp>
       <p:sp>
         <p:nvSpPr>
-          <p:cNvPr id="7" name="スライド番号プレースホルダー 6"/>
+          <p:cNvPr id="7" name="Slide Number Placeholder 6"/>
           <p:cNvSpPr>
             <a:spLocks noGrp="1"/>
           </p:cNvSpPr>
@@ -2653,7 +2660,7 @@
     </p:spTree>
     <p:extLst>
       <p:ext uri="{BB962C8B-B14F-4D97-AF65-F5344CB8AC3E}">
-        <p14:creationId xmlns:p14="http://schemas.microsoft.com/office/powerpoint/2010/main" val="3634142411"/>
+        <p14:creationId xmlns:p14="http://schemas.microsoft.com/office/powerpoint/2010/main" val="1449215920"/>
       </p:ext>
     </p:extLst>
   </p:cSld>
@@ -2687,7 +2694,7 @@
       </p:grpSpPr>
       <p:sp>
         <p:nvSpPr>
-          <p:cNvPr id="2" name="タイトル プレースホルダー 1"/>
+          <p:cNvPr id="2" name="Title Placeholder 1"/>
           <p:cNvSpPr>
             <a:spLocks noGrp="1"/>
           </p:cNvSpPr>
@@ -2697,8 +2704,8 @@
         </p:nvSpPr>
         <p:spPr>
           <a:xfrm>
-            <a:off x="838200" y="365125"/>
-            <a:ext cx="10515600" cy="1325563"/>
+            <a:off x="681038" y="365127"/>
+            <a:ext cx="8543925" cy="1325563"/>
           </a:xfrm>
           <a:prstGeom prst="rect">
             <a:avLst/>
@@ -2711,16 +2718,16 @@
           <a:lstStyle/>
           <a:p>
             <a:r>
-              <a:rPr kumimoji="1" lang="ja-JP" altLang="en-US" smtClean="0"/>
+              <a:rPr lang="ja-JP" altLang="en-US" smtClean="0"/>
               <a:t>マスター タイトルの書式設定</a:t>
             </a:r>
-            <a:endParaRPr kumimoji="1" lang="ja-JP" altLang="en-US"/>
+            <a:endParaRPr lang="en-US" dirty="0"/>
           </a:p>
         </p:txBody>
       </p:sp>
       <p:sp>
         <p:nvSpPr>
-          <p:cNvPr id="3" name="テキスト プレースホルダー 2"/>
+          <p:cNvPr id="3" name="Text Placeholder 2"/>
           <p:cNvSpPr>
             <a:spLocks noGrp="1"/>
           </p:cNvSpPr>
@@ -2730,8 +2737,8 @@
         </p:nvSpPr>
         <p:spPr>
           <a:xfrm>
-            <a:off x="838200" y="1825625"/>
-            <a:ext cx="10515600" cy="4351338"/>
+            <a:off x="681038" y="1825625"/>
+            <a:ext cx="8543925" cy="4351338"/>
           </a:xfrm>
           <a:prstGeom prst="rect">
             <a:avLst/>
@@ -2745,76 +2752,76 @@
           <a:p>
             <a:pPr lvl="0"/>
             <a:r>
-              <a:rPr kumimoji="1" lang="ja-JP" altLang="en-US" smtClean="0"/>
+              <a:rPr lang="ja-JP" altLang="en-US" smtClean="0"/>
               <a:t>マスター テキストの書式設定</a:t>
             </a:r>
           </a:p>
           <a:p>
             <a:pPr lvl="1"/>
             <a:r>
-              <a:rPr kumimoji="1" lang="ja-JP" altLang="en-US" smtClean="0"/>
+              <a:rPr lang="ja-JP" altLang="en-US" smtClean="0"/>
               <a:t>第 </a:t>
             </a:r>
             <a:r>
-              <a:rPr kumimoji="1" lang="en-US" altLang="ja-JP" smtClean="0"/>
+              <a:rPr lang="en-US" altLang="ja-JP" smtClean="0"/>
               <a:t>2 </a:t>
             </a:r>
             <a:r>
-              <a:rPr kumimoji="1" lang="ja-JP" altLang="en-US" smtClean="0"/>
+              <a:rPr lang="ja-JP" altLang="en-US" smtClean="0"/>
               <a:t>レベル</a:t>
             </a:r>
           </a:p>
           <a:p>
             <a:pPr lvl="2"/>
             <a:r>
-              <a:rPr kumimoji="1" lang="ja-JP" altLang="en-US" smtClean="0"/>
+              <a:rPr lang="ja-JP" altLang="en-US" smtClean="0"/>
               <a:t>第 </a:t>
             </a:r>
             <a:r>
-              <a:rPr kumimoji="1" lang="en-US" altLang="ja-JP" smtClean="0"/>
+              <a:rPr lang="en-US" altLang="ja-JP" smtClean="0"/>
               <a:t>3 </a:t>
             </a:r>
             <a:r>
-              <a:rPr kumimoji="1" lang="ja-JP" altLang="en-US" smtClean="0"/>
+              <a:rPr lang="ja-JP" altLang="en-US" smtClean="0"/>
               <a:t>レベル</a:t>
             </a:r>
           </a:p>
           <a:p>
             <a:pPr lvl="3"/>
             <a:r>
-              <a:rPr kumimoji="1" lang="ja-JP" altLang="en-US" smtClean="0"/>
+              <a:rPr lang="ja-JP" altLang="en-US" smtClean="0"/>
               <a:t>第 </a:t>
             </a:r>
             <a:r>
-              <a:rPr kumimoji="1" lang="en-US" altLang="ja-JP" smtClean="0"/>
+              <a:rPr lang="en-US" altLang="ja-JP" smtClean="0"/>
               <a:t>4 </a:t>
             </a:r>
             <a:r>
-              <a:rPr kumimoji="1" lang="ja-JP" altLang="en-US" smtClean="0"/>
+              <a:rPr lang="ja-JP" altLang="en-US" smtClean="0"/>
               <a:t>レベル</a:t>
             </a:r>
           </a:p>
           <a:p>
             <a:pPr lvl="4"/>
             <a:r>
-              <a:rPr kumimoji="1" lang="ja-JP" altLang="en-US" smtClean="0"/>
+              <a:rPr lang="ja-JP" altLang="en-US" smtClean="0"/>
               <a:t>第 </a:t>
             </a:r>
             <a:r>
-              <a:rPr kumimoji="1" lang="en-US" altLang="ja-JP" smtClean="0"/>
+              <a:rPr lang="en-US" altLang="ja-JP" smtClean="0"/>
               <a:t>5 </a:t>
             </a:r>
             <a:r>
-              <a:rPr kumimoji="1" lang="ja-JP" altLang="en-US" smtClean="0"/>
+              <a:rPr lang="ja-JP" altLang="en-US" smtClean="0"/>
               <a:t>レベル</a:t>
             </a:r>
-            <a:endParaRPr kumimoji="1" lang="ja-JP" altLang="en-US"/>
+            <a:endParaRPr lang="en-US" dirty="0"/>
           </a:p>
         </p:txBody>
       </p:sp>
       <p:sp>
         <p:nvSpPr>
-          <p:cNvPr id="4" name="日付プレースホルダー 3"/>
+          <p:cNvPr id="4" name="Date Placeholder 3"/>
           <p:cNvSpPr>
             <a:spLocks noGrp="1"/>
           </p:cNvSpPr>
@@ -2824,8 +2831,8 @@
         </p:nvSpPr>
         <p:spPr>
           <a:xfrm>
-            <a:off x="838200" y="6356350"/>
-            <a:ext cx="2743200" cy="365125"/>
+            <a:off x="681038" y="6356352"/>
+            <a:ext cx="2228850" cy="365125"/>
           </a:xfrm>
           <a:prstGeom prst="rect">
             <a:avLst/>
@@ -2847,7 +2854,7 @@
           <a:p>
             <a:fld id="{9A71CB4E-438A-4ABF-AF70-4B3C1C856AFA}" type="datetimeFigureOut">
               <a:rPr kumimoji="1" lang="ja-JP" altLang="en-US" smtClean="0"/>
-              <a:t>2020/1/27</a:t>
+              <a:t>2020/1/28</a:t>
             </a:fld>
             <a:endParaRPr kumimoji="1" lang="ja-JP" altLang="en-US"/>
           </a:p>
@@ -2855,7 +2862,7 @@
       </p:sp>
       <p:sp>
         <p:nvSpPr>
-          <p:cNvPr id="5" name="フッター プレースホルダー 4"/>
+          <p:cNvPr id="5" name="Footer Placeholder 4"/>
           <p:cNvSpPr>
             <a:spLocks noGrp="1"/>
           </p:cNvSpPr>
@@ -2865,8 +2872,8 @@
         </p:nvSpPr>
         <p:spPr>
           <a:xfrm>
-            <a:off x="4038600" y="6356350"/>
-            <a:ext cx="4114800" cy="365125"/>
+            <a:off x="3281363" y="6356352"/>
+            <a:ext cx="3343275" cy="365125"/>
           </a:xfrm>
           <a:prstGeom prst="rect">
             <a:avLst/>
@@ -2892,7 +2899,7 @@
       </p:sp>
       <p:sp>
         <p:nvSpPr>
-          <p:cNvPr id="6" name="スライド番号プレースホルダー 5"/>
+          <p:cNvPr id="6" name="Slide Number Placeholder 5"/>
           <p:cNvSpPr>
             <a:spLocks noGrp="1"/>
           </p:cNvSpPr>
@@ -2902,8 +2909,8 @@
         </p:nvSpPr>
         <p:spPr>
           <a:xfrm>
-            <a:off x="8610600" y="6356350"/>
-            <a:ext cx="2743200" cy="365125"/>
+            <a:off x="6996113" y="6356352"/>
+            <a:ext cx="2228850" cy="365125"/>
           </a:xfrm>
           <a:prstGeom prst="rect">
             <a:avLst/>
@@ -2934,23 +2941,23 @@
     </p:spTree>
     <p:extLst>
       <p:ext uri="{BB962C8B-B14F-4D97-AF65-F5344CB8AC3E}">
-        <p14:creationId xmlns:p14="http://schemas.microsoft.com/office/powerpoint/2010/main" val="2603857321"/>
+        <p14:creationId xmlns:p14="http://schemas.microsoft.com/office/powerpoint/2010/main" val="2396383010"/>
       </p:ext>
     </p:extLst>
   </p:cSld>
   <p:clrMap bg1="lt1" tx1="dk1" bg2="lt2" tx2="dk2" accent1="accent1" accent2="accent2" accent3="accent3" accent4="accent4" accent5="accent5" accent6="accent6" hlink="hlink" folHlink="folHlink"/>
   <p:sldLayoutIdLst>
-    <p:sldLayoutId id="2147483649" r:id="rId1"/>
-    <p:sldLayoutId id="2147483650" r:id="rId2"/>
-    <p:sldLayoutId id="2147483651" r:id="rId3"/>
-    <p:sldLayoutId id="2147483652" r:id="rId4"/>
-    <p:sldLayoutId id="2147483653" r:id="rId5"/>
-    <p:sldLayoutId id="2147483654" r:id="rId6"/>
-    <p:sldLayoutId id="2147483655" r:id="rId7"/>
-    <p:sldLayoutId id="2147483656" r:id="rId8"/>
-    <p:sldLayoutId id="2147483657" r:id="rId9"/>
-    <p:sldLayoutId id="2147483658" r:id="rId10"/>
-    <p:sldLayoutId id="2147483659" r:id="rId11"/>
+    <p:sldLayoutId id="2147483661" r:id="rId1"/>
+    <p:sldLayoutId id="2147483662" r:id="rId2"/>
+    <p:sldLayoutId id="2147483663" r:id="rId3"/>
+    <p:sldLayoutId id="2147483664" r:id="rId4"/>
+    <p:sldLayoutId id="2147483665" r:id="rId5"/>
+    <p:sldLayoutId id="2147483666" r:id="rId6"/>
+    <p:sldLayoutId id="2147483667" r:id="rId7"/>
+    <p:sldLayoutId id="2147483668" r:id="rId8"/>
+    <p:sldLayoutId id="2147483669" r:id="rId9"/>
+    <p:sldLayoutId id="2147483670" r:id="rId10"/>
+    <p:sldLayoutId id="2147483671" r:id="rId11"/>
   </p:sldLayoutIdLst>
   <p:txStyles>
     <p:titleStyle>
@@ -3138,7 +3145,7 @@
     </p:bodyStyle>
     <p:otherStyle>
       <a:defPPr>
-        <a:defRPr lang="ja-JP"/>
+        <a:defRPr lang="en-US"/>
       </a:defPPr>
       <a:lvl1pPr marL="0" algn="l" defTabSz="914400" rtl="0" eaLnBrk="1" latinLnBrk="0" hangingPunct="1">
         <a:defRPr kumimoji="1" sz="1800" kern="1200">
@@ -3240,11 +3247,15 @@
   <p:cSld>
     <p:bg>
       <p:bgPr>
-        <a:solidFill>
-          <a:schemeClr val="accent6">
-            <a:lumMod val="75000"/>
-          </a:schemeClr>
-        </a:solidFill>
+        <a:blipFill dpi="0" rotWithShape="1">
+          <a:blip r:embed="rId2" cstate="print">
+            <a:lum/>
+          </a:blip>
+          <a:srcRect/>
+          <a:stretch>
+            <a:fillRect b="-21578"/>
+          </a:stretch>
+        </a:blipFill>
         <a:effectLst/>
       </p:bgPr>
     </p:bg>
@@ -3262,36 +3273,6 @@
           <a:chExt cx="0" cy="0"/>
         </a:xfrm>
       </p:grpSpPr>
-      <p:sp>
-        <p:nvSpPr>
-          <p:cNvPr id="15" name="object 2"/>
-          <p:cNvSpPr/>
-          <p:nvPr/>
-        </p:nvSpPr>
-        <p:spPr>
-          <a:xfrm>
-            <a:off x="-5585" y="-19790"/>
-            <a:ext cx="12192000" cy="6905781"/>
-          </a:xfrm>
-          <a:prstGeom prst="rect">
-            <a:avLst/>
-          </a:prstGeom>
-          <a:blipFill>
-            <a:blip r:embed="rId2" cstate="print"/>
-            <a:srcRect/>
-            <a:stretch>
-              <a:fillRect b="-21578"/>
-            </a:stretch>
-          </a:blipFill>
-        </p:spPr>
-        <p:txBody>
-          <a:bodyPr wrap="square" lIns="0" tIns="0" rIns="0" bIns="0" rtlCol="0"/>
-          <a:lstStyle/>
-          <a:p>
-            <a:endParaRPr/>
-          </a:p>
-        </p:txBody>
-      </p:sp>
       <p:grpSp>
         <p:nvGrpSpPr>
           <p:cNvPr id="13" name="グループ化 12"/>
@@ -3300,10 +3281,10 @@
         </p:nvGrpSpPr>
         <p:grpSpPr>
           <a:xfrm>
-            <a:off x="6556865" y="4471494"/>
-            <a:ext cx="5231040" cy="2150336"/>
-            <a:chOff x="7325591" y="4950697"/>
-            <a:chExt cx="4644735" cy="1859568"/>
+            <a:off x="5029255" y="4541611"/>
+            <a:ext cx="5191255" cy="2055195"/>
+            <a:chOff x="7020735" y="4898249"/>
+            <a:chExt cx="5673117" cy="2187437"/>
           </a:xfrm>
         </p:grpSpPr>
         <p:sp>
@@ -3314,8 +3295,8 @@
           </p:nvSpPr>
           <p:spPr>
             <a:xfrm>
-              <a:off x="7325591" y="4950697"/>
-              <a:ext cx="4644735" cy="1859568"/>
+              <a:off x="7020735" y="4898249"/>
+              <a:ext cx="5218822" cy="2187437"/>
             </a:xfrm>
             <a:prstGeom prst="roundRect">
               <a:avLst/>
@@ -3350,7 +3331,7 @@
             <a:lstStyle/>
             <a:p>
               <a:pPr algn="ctr"/>
-              <a:endParaRPr kumimoji="1" lang="ja-JP" altLang="en-US"/>
+              <a:endParaRPr lang="ja-JP" altLang="en-US" sz="1463"/>
             </a:p>
           </p:txBody>
         </p:sp>
@@ -3362,8 +3343,8 @@
           </p:nvSpPr>
           <p:spPr>
             <a:xfrm>
-              <a:off x="7501739" y="5040260"/>
-              <a:ext cx="4468587" cy="1756649"/>
+              <a:off x="7075512" y="4958652"/>
+              <a:ext cx="5618340" cy="2088326"/>
             </a:xfrm>
             <a:prstGeom prst="rect">
               <a:avLst/>
@@ -3376,9 +3357,8 @@
             </a:bodyPr>
             <a:lstStyle/>
             <a:p>
-              <a:pPr algn="ctr"/>
               <a:r>
-                <a:rPr kumimoji="1" lang="ja-JP" altLang="en-US" sz="2400" b="1" dirty="0" smtClean="0">
+                <a:rPr lang="ja-JP" altLang="en-US" sz="1950" b="1" dirty="0" smtClean="0">
                   <a:ln w="3175">
                     <a:solidFill>
                       <a:schemeClr val="tx1">
@@ -3398,9 +3378,9 @@
                     </a:outerShdw>
                   </a:effectLst>
                 </a:rPr>
-                <a:t>起動方法</a:t>
+                <a:t>　　　　　　起動方法</a:t>
               </a:r>
-              <a:endParaRPr kumimoji="1" lang="en-US" altLang="ja-JP" sz="2400" b="1" dirty="0" smtClean="0">
+              <a:endParaRPr lang="en-US" altLang="ja-JP" sz="1950" b="1" dirty="0">
                 <a:ln w="3175">
                   <a:solidFill>
                     <a:schemeClr val="tx1">
@@ -3423,7 +3403,7 @@
             </a:p>
             <a:p>
               <a:r>
-                <a:rPr lang="en-US" altLang="ja-JP" sz="1400" b="1" dirty="0" smtClean="0">
+                <a:rPr lang="en-US" altLang="ja-JP" sz="1400" b="1" dirty="0">
                   <a:solidFill>
                     <a:schemeClr val="bg1"/>
                   </a:solidFill>
@@ -3438,7 +3418,7 @@
                 <a:t>1. data</a:t>
               </a:r>
               <a:r>
-                <a:rPr lang="ja-JP" altLang="en-US" sz="1400" b="1" dirty="0" smtClean="0">
+                <a:rPr lang="ja-JP" altLang="en-US" sz="1400" b="1" dirty="0">
                   <a:solidFill>
                     <a:schemeClr val="bg1"/>
                   </a:solidFill>
@@ -3452,7 +3432,7 @@
                 </a:rPr>
                 <a:t>ファイルに中身があるかを確認して</a:t>
               </a:r>
-              <a:endParaRPr lang="en-US" altLang="ja-JP" sz="1400" b="1" dirty="0" smtClean="0">
+              <a:endParaRPr lang="en-US" altLang="ja-JP" sz="1400" b="1" dirty="0">
                 <a:solidFill>
                   <a:schemeClr val="bg1"/>
                 </a:solidFill>
@@ -3467,7 +3447,7 @@
             </a:p>
             <a:p>
               <a:r>
-                <a:rPr lang="ja-JP" altLang="en-US" sz="1400" b="1" dirty="0" smtClean="0">
+                <a:rPr lang="ja-JP" altLang="en-US" sz="1400" b="1" dirty="0">
                   <a:solidFill>
                     <a:schemeClr val="bg1"/>
                   </a:solidFill>
@@ -3482,7 +3462,7 @@
                 <a:t>    </a:t>
               </a:r>
               <a:r>
-                <a:rPr lang="en-US" altLang="ja-JP" b="1" dirty="0" smtClean="0">
+                <a:rPr lang="en-US" altLang="ja-JP" b="1" dirty="0">
                   <a:solidFill>
                     <a:schemeClr val="bg1"/>
                   </a:solidFill>
@@ -3497,7 +3477,7 @@
                 <a:t>[ </a:t>
               </a:r>
               <a:r>
-                <a:rPr lang="ja-JP" altLang="en-US" b="1" dirty="0" smtClean="0">
+                <a:rPr lang="ja-JP" altLang="en-US" b="1" dirty="0">
                   <a:solidFill>
                     <a:schemeClr val="bg1"/>
                   </a:solidFill>
@@ -3512,7 +3492,7 @@
                 <a:t>コトバトル</a:t>
               </a:r>
               <a:r>
-                <a:rPr lang="en-US" altLang="ja-JP" b="1" dirty="0" smtClean="0">
+                <a:rPr lang="en-US" altLang="ja-JP" b="1" dirty="0">
                   <a:solidFill>
                     <a:schemeClr val="bg1"/>
                   </a:solidFill>
@@ -3542,7 +3522,7 @@
                 <a:t> </a:t>
               </a:r>
               <a:r>
-                <a:rPr lang="en-US" altLang="ja-JP" b="1" dirty="0" smtClean="0">
+                <a:rPr lang="en-US" altLang="ja-JP" b="1" dirty="0">
                   <a:solidFill>
                     <a:schemeClr val="bg1"/>
                   </a:solidFill>
@@ -3557,7 +3537,7 @@
                 <a:t>]</a:t>
               </a:r>
               <a:r>
-                <a:rPr lang="ja-JP" altLang="en-US" sz="1400" b="1" dirty="0" smtClean="0">
+                <a:rPr lang="ja-JP" altLang="en-US" sz="1400" b="1" dirty="0">
                   <a:solidFill>
                     <a:schemeClr val="bg1"/>
                   </a:solidFill>
@@ -3571,7 +3551,7 @@
                 </a:rPr>
                 <a:t>を起動</a:t>
               </a:r>
-              <a:endParaRPr lang="en-US" altLang="ja-JP" sz="1400" b="1" dirty="0" smtClean="0">
+              <a:endParaRPr lang="en-US" altLang="ja-JP" sz="1400" b="1" dirty="0">
                 <a:solidFill>
                   <a:schemeClr val="bg1"/>
                 </a:solidFill>
@@ -3586,7 +3566,7 @@
             </a:p>
             <a:p>
               <a:r>
-                <a:rPr kumimoji="1" lang="en-US" altLang="ja-JP" sz="1400" b="1" dirty="0" smtClean="0">
+                <a:rPr lang="en-US" altLang="ja-JP" sz="1400" b="1" dirty="0">
                   <a:solidFill>
                     <a:schemeClr val="bg1"/>
                   </a:solidFill>
@@ -3601,7 +3581,7 @@
                 <a:t>2. </a:t>
               </a:r>
               <a:r>
-                <a:rPr kumimoji="1" lang="ja-JP" altLang="en-US" sz="1400" b="1" dirty="0" smtClean="0">
+                <a:rPr lang="ja-JP" altLang="en-US" sz="1400" b="1" dirty="0">
                   <a:solidFill>
                     <a:schemeClr val="bg1"/>
                   </a:solidFill>
@@ -3616,7 +3596,7 @@
                 <a:t>コントローラー</a:t>
               </a:r>
               <a:r>
-                <a:rPr kumimoji="1" lang="en-US" altLang="ja-JP" sz="1400" b="1" dirty="0" smtClean="0">
+                <a:rPr lang="en-US" altLang="ja-JP" sz="1400" b="1" dirty="0">
                   <a:solidFill>
                     <a:schemeClr val="bg1"/>
                   </a:solidFill>
@@ -3631,7 +3611,7 @@
                 <a:t>(</a:t>
               </a:r>
               <a:r>
-                <a:rPr kumimoji="1" lang="en-US" altLang="ja-JP" sz="1600" b="1" dirty="0" smtClean="0">
+                <a:rPr lang="en-US" altLang="ja-JP" sz="1600" b="1" dirty="0">
                   <a:solidFill>
                     <a:srgbClr val="FFFF00"/>
                   </a:solidFill>
@@ -3646,7 +3626,7 @@
                 <a:t>XInput</a:t>
               </a:r>
               <a:r>
-                <a:rPr kumimoji="1" lang="en-US" altLang="ja-JP" sz="1400" b="1" dirty="0" smtClean="0">
+                <a:rPr lang="en-US" altLang="ja-JP" sz="1400" b="1" dirty="0">
                   <a:solidFill>
                     <a:schemeClr val="bg1"/>
                   </a:solidFill>
@@ -3661,7 +3641,7 @@
                 <a:t>)</a:t>
               </a:r>
               <a:r>
-                <a:rPr kumimoji="1" lang="ja-JP" altLang="en-US" sz="1400" b="1" dirty="0" smtClean="0">
+                <a:rPr lang="ja-JP" altLang="en-US" sz="1400" b="1" dirty="0">
                   <a:solidFill>
                     <a:schemeClr val="bg1"/>
                   </a:solidFill>
@@ -3675,7 +3655,7 @@
                 </a:rPr>
                 <a:t>を人数分接続</a:t>
               </a:r>
-              <a:endParaRPr kumimoji="1" lang="en-US" altLang="ja-JP" sz="1400" b="1" dirty="0" smtClean="0">
+              <a:endParaRPr lang="en-US" altLang="ja-JP" sz="1400" b="1" dirty="0">
                 <a:solidFill>
                   <a:schemeClr val="bg1"/>
                 </a:solidFill>
@@ -3690,7 +3670,7 @@
             </a:p>
             <a:p>
               <a:r>
-                <a:rPr lang="en-US" altLang="ja-JP" sz="1400" b="1" dirty="0" smtClean="0">
+                <a:rPr lang="en-US" altLang="ja-JP" sz="1400" b="1" dirty="0">
                   <a:solidFill>
                     <a:schemeClr val="bg1"/>
                   </a:solidFill>
@@ -3705,7 +3685,7 @@
                 <a:t>3. </a:t>
               </a:r>
               <a:r>
-                <a:rPr lang="ja-JP" altLang="en-US" sz="1400" b="1" dirty="0" smtClean="0">
+                <a:rPr lang="ja-JP" altLang="en-US" sz="1400" b="1" dirty="0">
                   <a:solidFill>
                     <a:schemeClr val="bg1"/>
                   </a:solidFill>
@@ -3720,7 +3700,7 @@
                 <a:t>タイトル画面で</a:t>
               </a:r>
               <a:r>
-                <a:rPr lang="en-US" altLang="ja-JP" sz="1400" b="1" dirty="0" smtClean="0">
+                <a:rPr lang="en-US" altLang="ja-JP" sz="1400" b="1" dirty="0">
                   <a:solidFill>
                     <a:schemeClr val="bg1"/>
                   </a:solidFill>
@@ -3735,7 +3715,7 @@
                 <a:t>1P</a:t>
               </a:r>
               <a:r>
-                <a:rPr lang="ja-JP" altLang="en-US" sz="1400" b="1" dirty="0" smtClean="0">
+                <a:rPr lang="ja-JP" altLang="en-US" sz="1400" b="1" dirty="0">
                   <a:solidFill>
                     <a:schemeClr val="bg1"/>
                   </a:solidFill>
@@ -3750,7 +3730,7 @@
                 <a:t>のコントローラーで</a:t>
               </a:r>
               <a:r>
-                <a:rPr lang="en-US" altLang="ja-JP" sz="1600" b="1" dirty="0" smtClean="0">
+                <a:rPr lang="en-US" altLang="ja-JP" sz="1600" b="1" dirty="0">
                   <a:solidFill>
                     <a:srgbClr val="FFFF00"/>
                   </a:solidFill>
@@ -3765,7 +3745,7 @@
                 <a:t>A</a:t>
               </a:r>
               <a:r>
-                <a:rPr lang="ja-JP" altLang="en-US" sz="1600" b="1" dirty="0" smtClean="0">
+                <a:rPr lang="ja-JP" altLang="en-US" sz="1600" b="1" dirty="0">
                   <a:solidFill>
                     <a:srgbClr val="FFFF00"/>
                   </a:solidFill>
@@ -3779,7 +3759,7 @@
                 </a:rPr>
                 <a:t>ボタンを押す</a:t>
               </a:r>
-              <a:endParaRPr lang="en-US" altLang="ja-JP" sz="1600" b="1" dirty="0" smtClean="0">
+              <a:endParaRPr lang="en-US" altLang="ja-JP" sz="1600" b="1" dirty="0">
                 <a:solidFill>
                   <a:srgbClr val="FFFF00"/>
                 </a:solidFill>
@@ -3794,7 +3774,7 @@
             </a:p>
             <a:p>
               <a:r>
-                <a:rPr lang="ja-JP" altLang="en-US" sz="1400" b="1" dirty="0" smtClean="0">
+                <a:rPr lang="ja-JP" altLang="en-US" sz="1400" b="1" dirty="0">
                   <a:solidFill>
                     <a:schemeClr val="bg1"/>
                   </a:solidFill>
@@ -3809,7 +3789,7 @@
                 <a:t>　 </a:t>
               </a:r>
               <a:r>
-                <a:rPr lang="en-US" altLang="ja-JP" sz="1400" b="1" dirty="0" smtClean="0">
+                <a:rPr lang="en-US" altLang="ja-JP" sz="1400" b="1" dirty="0">
                   <a:solidFill>
                     <a:schemeClr val="bg1"/>
                   </a:solidFill>
@@ -3824,7 +3804,7 @@
                 <a:t>(</a:t>
               </a:r>
               <a:r>
-                <a:rPr lang="ja-JP" altLang="en-US" sz="1400" b="1" dirty="0" smtClean="0">
+                <a:rPr lang="ja-JP" altLang="en-US" sz="1400" b="1" dirty="0">
                   <a:solidFill>
                     <a:schemeClr val="bg1"/>
                   </a:solidFill>
@@ -3854,7 +3834,7 @@
                 <a:t>A</a:t>
               </a:r>
               <a:r>
-                <a:rPr lang="en-US" altLang="ja-JP" sz="1400" b="1" dirty="0" smtClean="0">
+                <a:rPr lang="en-US" altLang="ja-JP" sz="1400" b="1" dirty="0">
                   <a:solidFill>
                     <a:schemeClr val="bg1"/>
                   </a:solidFill>
@@ -3869,7 +3849,7 @@
                 <a:t>nyButton</a:t>
               </a:r>
               <a:r>
-                <a:rPr lang="ja-JP" altLang="en-US" sz="1400" b="1" dirty="0" smtClean="0">
+                <a:rPr lang="ja-JP" altLang="en-US" sz="1400" b="1" dirty="0">
                   <a:solidFill>
                     <a:schemeClr val="bg1"/>
                   </a:solidFill>
@@ -3881,40 +3861,10 @@
                     </a:outerShdw>
                   </a:effectLst>
                 </a:rPr>
-                <a:t>とある</a:t>
+                <a:t>とあるがこれは間違い</a:t>
               </a:r>
               <a:r>
-                <a:rPr lang="ja-JP" altLang="en-US" sz="1400" b="1" dirty="0" smtClean="0">
-                  <a:solidFill>
-                    <a:schemeClr val="bg1"/>
-                  </a:solidFill>
-                  <a:effectLst>
-                    <a:outerShdw blurRad="38100" dist="38100" dir="2700000" algn="tl">
-                      <a:srgbClr val="000000">
-                        <a:alpha val="43137"/>
-                      </a:srgbClr>
-                    </a:outerShdw>
-                  </a:effectLst>
-                </a:rPr>
-                <a:t>が</a:t>
-              </a:r>
-              <a:r>
-                <a:rPr lang="ja-JP" altLang="en-US" sz="1400" b="1" dirty="0" smtClean="0">
-                  <a:solidFill>
-                    <a:schemeClr val="bg1"/>
-                  </a:solidFill>
-                  <a:effectLst>
-                    <a:outerShdw blurRad="38100" dist="38100" dir="2700000" algn="tl">
-                      <a:srgbClr val="000000">
-                        <a:alpha val="43137"/>
-                      </a:srgbClr>
-                    </a:outerShdw>
-                  </a:effectLst>
-                </a:rPr>
-                <a:t>これは間違い</a:t>
-              </a:r>
-              <a:r>
-                <a:rPr lang="en-US" altLang="ja-JP" sz="1400" b="1" dirty="0" smtClean="0">
+                <a:rPr lang="en-US" altLang="ja-JP" sz="1400" b="1" dirty="0">
                   <a:solidFill>
                     <a:schemeClr val="bg1"/>
                   </a:solidFill>
@@ -3931,7 +3881,7 @@
             </a:p>
             <a:p>
               <a:r>
-                <a:rPr lang="en-US" altLang="ja-JP" sz="1400" b="1" dirty="0" smtClean="0">
+                <a:rPr lang="en-US" altLang="ja-JP" sz="1400" b="1" dirty="0">
                   <a:solidFill>
                     <a:schemeClr val="bg1"/>
                   </a:solidFill>
@@ -3946,7 +3896,7 @@
                 <a:t>4. </a:t>
               </a:r>
               <a:r>
-                <a:rPr lang="en-US" altLang="ja-JP" sz="2400" b="1" dirty="0" smtClean="0">
+                <a:rPr lang="en-US" altLang="ja-JP" sz="2400" b="1" dirty="0">
                   <a:solidFill>
                     <a:srgbClr val="EE7E31"/>
                   </a:solidFill>
@@ -3961,7 +3911,7 @@
                 <a:t>Let’s Play!</a:t>
               </a:r>
               <a:r>
-                <a:rPr lang="ja-JP" altLang="en-US" sz="2400" b="1" dirty="0" smtClean="0">
+                <a:rPr lang="ja-JP" altLang="en-US" sz="2400" b="1" dirty="0">
                   <a:solidFill>
                     <a:srgbClr val="EE7E31"/>
                   </a:solidFill>
@@ -3975,7 +3925,7 @@
                 </a:rPr>
                 <a:t>☆彡</a:t>
               </a:r>
-              <a:endParaRPr lang="en-US" altLang="ja-JP" sz="2400" b="1" dirty="0" smtClean="0">
+              <a:endParaRPr lang="en-US" altLang="ja-JP" sz="2000" b="1" dirty="0">
                 <a:solidFill>
                   <a:srgbClr val="EE7E31"/>
                 </a:solidFill>
@@ -4030,8 +3980,8 @@
         </p:blipFill>
         <p:spPr>
           <a:xfrm rot="20339440">
-            <a:off x="6653558" y="589522"/>
-            <a:ext cx="4172763" cy="4172763"/>
+            <a:off x="5406016" y="1121925"/>
+            <a:ext cx="3390370" cy="3390370"/>
           </a:xfrm>
           <a:prstGeom prst="rect">
             <a:avLst/>
@@ -4046,8 +3996,8 @@
         </p:nvGrpSpPr>
         <p:grpSpPr>
           <a:xfrm>
-            <a:off x="6905110" y="157290"/>
-            <a:ext cx="3508235" cy="483577"/>
+            <a:off x="5664091" y="516012"/>
+            <a:ext cx="2850441" cy="392906"/>
             <a:chOff x="5955309" y="325158"/>
             <a:chExt cx="3508235" cy="483577"/>
           </a:xfrm>
@@ -4077,7 +4027,7 @@
             <a:bodyPr wrap="square" lIns="0" tIns="0" rIns="0" bIns="0" rtlCol="0"/>
             <a:lstStyle/>
             <a:p>
-              <a:endParaRPr/>
+              <a:endParaRPr sz="1463"/>
             </a:p>
           </p:txBody>
         </p:sp>
@@ -4106,7 +4056,7 @@
             <a:bodyPr wrap="square" lIns="0" tIns="0" rIns="0" bIns="0" rtlCol="0"/>
             <a:lstStyle/>
             <a:p>
-              <a:endParaRPr/>
+              <a:endParaRPr sz="1463"/>
             </a:p>
           </p:txBody>
         </p:sp>
@@ -4135,7 +4085,7 @@
             <a:bodyPr wrap="square" lIns="0" tIns="0" rIns="0" bIns="0" rtlCol="0"/>
             <a:lstStyle/>
             <a:p>
-              <a:endParaRPr/>
+              <a:endParaRPr sz="1463"/>
             </a:p>
           </p:txBody>
         </p:sp>
@@ -4164,7 +4114,7 @@
             <a:bodyPr wrap="square" lIns="0" tIns="0" rIns="0" bIns="0" rtlCol="0"/>
             <a:lstStyle/>
             <a:p>
-              <a:endParaRPr/>
+              <a:endParaRPr sz="1463"/>
             </a:p>
           </p:txBody>
         </p:sp>
@@ -4177,8 +4127,8 @@
         </p:nvGrpSpPr>
         <p:grpSpPr>
           <a:xfrm>
-            <a:off x="6260589" y="691067"/>
-            <a:ext cx="2546603" cy="737615"/>
+            <a:off x="5078048" y="1108831"/>
+            <a:ext cx="2069115" cy="599312"/>
             <a:chOff x="4216908" y="929639"/>
             <a:chExt cx="2546603" cy="737615"/>
           </a:xfrm>
@@ -4208,7 +4158,7 @@
             <a:bodyPr wrap="square" lIns="0" tIns="0" rIns="0" bIns="0" rtlCol="0"/>
             <a:lstStyle/>
             <a:p>
-              <a:endParaRPr/>
+              <a:endParaRPr sz="1463"/>
             </a:p>
           </p:txBody>
         </p:sp>
@@ -4237,7 +4187,7 @@
             <a:bodyPr wrap="square" lIns="0" tIns="0" rIns="0" bIns="0" rtlCol="0"/>
             <a:lstStyle/>
             <a:p>
-              <a:endParaRPr/>
+              <a:endParaRPr sz="1463"/>
             </a:p>
           </p:txBody>
         </p:sp>
@@ -4332,7 +4282,7 @@
             <a:bodyPr wrap="square" lIns="0" tIns="0" rIns="0" bIns="0" rtlCol="0"/>
             <a:lstStyle/>
             <a:p>
-              <a:endParaRPr/>
+              <a:endParaRPr sz="1463"/>
             </a:p>
           </p:txBody>
         </p:sp>
@@ -4361,7 +4311,7 @@
             <a:bodyPr wrap="square" lIns="0" tIns="0" rIns="0" bIns="0" rtlCol="0"/>
             <a:lstStyle/>
             <a:p>
-              <a:endParaRPr/>
+              <a:endParaRPr sz="1463"/>
             </a:p>
           </p:txBody>
         </p:sp>
@@ -4419,7 +4369,7 @@
             <a:bodyPr wrap="square" lIns="0" tIns="0" rIns="0" bIns="0" rtlCol="0"/>
             <a:lstStyle/>
             <a:p>
-              <a:endParaRPr/>
+              <a:endParaRPr sz="1463"/>
             </a:p>
           </p:txBody>
         </p:sp>
@@ -4432,8 +4382,8 @@
         </p:nvGrpSpPr>
         <p:grpSpPr>
           <a:xfrm>
-            <a:off x="9228192" y="697884"/>
-            <a:ext cx="2563367" cy="751331"/>
+            <a:off x="7215116" y="1093184"/>
+            <a:ext cx="2082736" cy="610456"/>
             <a:chOff x="7124700" y="906780"/>
             <a:chExt cx="2563367" cy="751331"/>
           </a:xfrm>
@@ -4463,7 +4413,7 @@
             <a:bodyPr wrap="square" lIns="0" tIns="0" rIns="0" bIns="0" rtlCol="0"/>
             <a:lstStyle/>
             <a:p>
-              <a:endParaRPr/>
+              <a:endParaRPr sz="1463"/>
             </a:p>
           </p:txBody>
         </p:sp>
@@ -4492,7 +4442,7 @@
             <a:bodyPr wrap="square" lIns="0" tIns="0" rIns="0" bIns="0" rtlCol="0"/>
             <a:lstStyle/>
             <a:p>
-              <a:endParaRPr/>
+              <a:endParaRPr sz="1463"/>
             </a:p>
           </p:txBody>
         </p:sp>
@@ -4581,7 +4531,7 @@
             <a:bodyPr wrap="square" lIns="0" tIns="0" rIns="0" bIns="0" rtlCol="0"/>
             <a:lstStyle/>
             <a:p>
-              <a:endParaRPr/>
+              <a:endParaRPr sz="1463"/>
             </a:p>
           </p:txBody>
         </p:sp>
@@ -4610,7 +4560,7 @@
             <a:bodyPr wrap="square" lIns="0" tIns="0" rIns="0" bIns="0" rtlCol="0"/>
             <a:lstStyle/>
             <a:p>
-              <a:endParaRPr/>
+              <a:endParaRPr sz="1463"/>
             </a:p>
           </p:txBody>
         </p:sp>
@@ -4668,7 +4618,7 @@
             <a:bodyPr wrap="square" lIns="0" tIns="0" rIns="0" bIns="0" rtlCol="0"/>
             <a:lstStyle/>
             <a:p>
-              <a:endParaRPr/>
+              <a:endParaRPr sz="1463"/>
             </a:p>
           </p:txBody>
         </p:sp>
@@ -4681,8 +4631,8 @@
         </p:nvGrpSpPr>
         <p:grpSpPr>
           <a:xfrm>
-            <a:off x="6213529" y="3493430"/>
-            <a:ext cx="2662396" cy="723899"/>
+            <a:off x="5048492" y="3764715"/>
+            <a:ext cx="2163197" cy="588168"/>
             <a:chOff x="5257801" y="4265677"/>
             <a:chExt cx="2505455" cy="681227"/>
           </a:xfrm>
@@ -4712,7 +4662,7 @@
             <a:bodyPr wrap="square" lIns="0" tIns="0" rIns="0" bIns="0" rtlCol="0"/>
             <a:lstStyle/>
             <a:p>
-              <a:endParaRPr/>
+              <a:endParaRPr sz="1463"/>
             </a:p>
           </p:txBody>
         </p:sp>
@@ -4741,7 +4691,7 @@
             <a:bodyPr wrap="square" lIns="0" tIns="0" rIns="0" bIns="0" rtlCol="0"/>
             <a:lstStyle/>
             <a:p>
-              <a:endParaRPr/>
+              <a:endParaRPr sz="1463"/>
             </a:p>
           </p:txBody>
         </p:sp>
@@ -4784,7 +4734,7 @@
               <a:bodyPr wrap="square" lIns="0" tIns="0" rIns="0" bIns="0" rtlCol="0"/>
               <a:lstStyle/>
               <a:p>
-                <a:endParaRPr/>
+                <a:endParaRPr sz="1463"/>
               </a:p>
             </p:txBody>
           </p:sp>
@@ -4813,7 +4763,7 @@
               <a:bodyPr wrap="square" lIns="0" tIns="0" rIns="0" bIns="0" rtlCol="0"/>
               <a:lstStyle/>
               <a:p>
-                <a:endParaRPr/>
+                <a:endParaRPr sz="1463"/>
               </a:p>
             </p:txBody>
           </p:sp>
@@ -4886,7 +4836,7 @@
               <a:bodyPr wrap="square" lIns="0" tIns="0" rIns="0" bIns="0" rtlCol="0"/>
               <a:lstStyle/>
               <a:p>
-                <a:endParaRPr/>
+                <a:endParaRPr sz="1463"/>
               </a:p>
             </p:txBody>
           </p:sp>
@@ -4915,7 +4865,7 @@
               <a:bodyPr wrap="square" lIns="0" tIns="0" rIns="0" bIns="0" rtlCol="0"/>
               <a:lstStyle/>
               <a:p>
-                <a:endParaRPr/>
+                <a:endParaRPr sz="1463"/>
               </a:p>
             </p:txBody>
           </p:sp>
@@ -5012,7 +4962,7 @@
               <a:bodyPr wrap="square" lIns="0" tIns="0" rIns="0" bIns="0" rtlCol="0"/>
               <a:lstStyle/>
               <a:p>
-                <a:endParaRPr/>
+                <a:endParaRPr sz="1463"/>
               </a:p>
             </p:txBody>
           </p:sp>
@@ -5041,7 +4991,7 @@
               <a:bodyPr wrap="square" lIns="0" tIns="0" rIns="0" bIns="0" rtlCol="0"/>
               <a:lstStyle/>
               <a:p>
-                <a:endParaRPr/>
+                <a:endParaRPr sz="1463"/>
               </a:p>
             </p:txBody>
           </p:sp>
@@ -5055,8 +5005,8 @@
         </p:nvGrpSpPr>
         <p:grpSpPr>
           <a:xfrm>
-            <a:off x="8867142" y="3493430"/>
-            <a:ext cx="3230879" cy="723899"/>
+            <a:off x="7204553" y="3764715"/>
+            <a:ext cx="2625089" cy="588168"/>
             <a:chOff x="1627759" y="2780919"/>
             <a:chExt cx="3230879" cy="723899"/>
           </a:xfrm>
@@ -5114,7 +5064,7 @@
                 <a:bodyPr wrap="square" lIns="0" tIns="0" rIns="0" bIns="0" rtlCol="0"/>
                 <a:lstStyle/>
                 <a:p>
-                  <a:endParaRPr/>
+                  <a:endParaRPr sz="1463"/>
                 </a:p>
               </p:txBody>
             </p:sp>
@@ -5143,7 +5093,7 @@
                 <a:bodyPr wrap="square" lIns="0" tIns="0" rIns="0" bIns="0" rtlCol="0"/>
                 <a:lstStyle/>
                 <a:p>
-                  <a:endParaRPr/>
+                  <a:endParaRPr sz="1463"/>
                 </a:p>
               </p:txBody>
             </p:sp>
@@ -5172,7 +5122,7 @@
                 <a:bodyPr wrap="square" lIns="0" tIns="0" rIns="0" bIns="0" rtlCol="0"/>
                 <a:lstStyle/>
                 <a:p>
-                  <a:endParaRPr/>
+                  <a:endParaRPr sz="1463"/>
                 </a:p>
               </p:txBody>
             </p:sp>
@@ -5261,7 +5211,7 @@
                 <a:bodyPr wrap="square" lIns="0" tIns="0" rIns="0" bIns="0" rtlCol="0"/>
                 <a:lstStyle/>
                 <a:p>
-                  <a:endParaRPr/>
+                  <a:endParaRPr sz="1463"/>
                 </a:p>
               </p:txBody>
             </p:sp>
@@ -5290,7 +5240,7 @@
                 <a:bodyPr wrap="square" lIns="0" tIns="0" rIns="0" bIns="0" rtlCol="0"/>
                 <a:lstStyle/>
                 <a:p>
-                  <a:endParaRPr/>
+                  <a:endParaRPr sz="1463"/>
                 </a:p>
               </p:txBody>
             </p:sp>
@@ -5319,7 +5269,7 @@
                 <a:bodyPr wrap="square" lIns="0" tIns="0" rIns="0" bIns="0" rtlCol="0"/>
                 <a:lstStyle/>
                 <a:p>
-                  <a:endParaRPr/>
+                  <a:endParaRPr sz="1463"/>
                 </a:p>
               </p:txBody>
             </p:sp>
@@ -5407,7 +5357,7 @@
                 <a:bodyPr wrap="square" lIns="0" tIns="0" rIns="0" bIns="0" rtlCol="0"/>
                 <a:lstStyle/>
                 <a:p>
-                  <a:endParaRPr/>
+                  <a:endParaRPr sz="1463"/>
                 </a:p>
               </p:txBody>
             </p:sp>
@@ -5451,7 +5401,7 @@
                 <a:bodyPr wrap="square" lIns="0" tIns="0" rIns="0" bIns="0" rtlCol="0"/>
                 <a:lstStyle/>
                 <a:p>
-                  <a:endParaRPr/>
+                  <a:endParaRPr sz="1463"/>
                 </a:p>
               </p:txBody>
             </p:sp>
@@ -5512,7 +5462,7 @@
                 <a:bodyPr wrap="square" lIns="0" tIns="0" rIns="0" bIns="0" rtlCol="0"/>
                 <a:lstStyle/>
                 <a:p>
-                  <a:endParaRPr/>
+                  <a:endParaRPr sz="1463"/>
                 </a:p>
               </p:txBody>
             </p:sp>
@@ -5571,7 +5521,7 @@
                 <a:bodyPr wrap="square" lIns="0" tIns="0" rIns="0" bIns="0" rtlCol="0"/>
                 <a:lstStyle/>
                 <a:p>
-                  <a:endParaRPr/>
+                  <a:endParaRPr sz="1463"/>
                 </a:p>
               </p:txBody>
             </p:sp>
@@ -5644,7 +5594,7 @@
                 <a:bodyPr wrap="square" lIns="0" tIns="0" rIns="0" bIns="0" rtlCol="0"/>
                 <a:lstStyle/>
                 <a:p>
-                  <a:endParaRPr/>
+                  <a:endParaRPr sz="1463"/>
                 </a:p>
               </p:txBody>
             </p:sp>
@@ -5673,7 +5623,7 @@
                 <a:bodyPr wrap="square" lIns="0" tIns="0" rIns="0" bIns="0" rtlCol="0"/>
                 <a:lstStyle/>
                 <a:p>
-                  <a:endParaRPr/>
+                  <a:endParaRPr sz="1463"/>
                 </a:p>
               </p:txBody>
             </p:sp>
@@ -5770,7 +5720,7 @@
                 <a:bodyPr wrap="square" lIns="0" tIns="0" rIns="0" bIns="0" rtlCol="0"/>
                 <a:lstStyle/>
                 <a:p>
-                  <a:endParaRPr/>
+                  <a:endParaRPr sz="1463"/>
                 </a:p>
               </p:txBody>
             </p:sp>
@@ -5800,7 +5750,7 @@
               <a:bodyPr wrap="square" lIns="0" tIns="0" rIns="0" bIns="0" rtlCol="0"/>
               <a:lstStyle/>
               <a:p>
-                <a:endParaRPr/>
+                <a:endParaRPr sz="1463"/>
               </a:p>
             </p:txBody>
           </p:sp>
@@ -5814,8 +5764,8 @@
         </p:nvGrpSpPr>
         <p:grpSpPr>
           <a:xfrm>
-            <a:off x="266055" y="138716"/>
-            <a:ext cx="5253871" cy="1630361"/>
+            <a:off x="216170" y="269295"/>
+            <a:ext cx="4268770" cy="1324668"/>
             <a:chOff x="77098" y="90705"/>
             <a:chExt cx="5253871" cy="1630361"/>
           </a:xfrm>
@@ -5845,7 +5795,7 @@
             <a:bodyPr wrap="square" lIns="0" tIns="0" rIns="0" bIns="0" rtlCol="0"/>
             <a:lstStyle/>
             <a:p>
-              <a:endParaRPr/>
+              <a:endParaRPr sz="1463"/>
             </a:p>
           </p:txBody>
         </p:sp>
@@ -5888,7 +5838,7 @@
               <a:bodyPr wrap="square" lIns="0" tIns="0" rIns="0" bIns="0" rtlCol="0"/>
               <a:lstStyle/>
               <a:p>
-                <a:endParaRPr/>
+                <a:endParaRPr sz="1463"/>
               </a:p>
             </p:txBody>
           </p:sp>
@@ -5917,7 +5867,7 @@
               <a:bodyPr wrap="square" lIns="0" tIns="0" rIns="0" bIns="0" rtlCol="0"/>
               <a:lstStyle/>
               <a:p>
-                <a:endParaRPr/>
+                <a:endParaRPr sz="1463"/>
               </a:p>
             </p:txBody>
           </p:sp>
@@ -5932,7 +5882,7 @@
           <p:nvPr/>
         </p:nvPicPr>
         <p:blipFill rotWithShape="1">
-          <a:blip r:embed="rId31">
+          <a:blip r:embed="rId31" cstate="print">
             <a:extLst>
               <a:ext uri="{28A0092B-C50C-407E-A947-70E740481C1C}">
                 <a14:useLocalDpi xmlns:a14="http://schemas.microsoft.com/office/drawing/2010/main" val="0"/>
@@ -5944,8 +5894,8 @@
         </p:blipFill>
         <p:spPr>
           <a:xfrm>
-            <a:off x="3386429" y="1921328"/>
-            <a:ext cx="2910974" cy="2881271"/>
+            <a:off x="2621367" y="2006993"/>
+            <a:ext cx="2365166" cy="2341033"/>
           </a:xfrm>
           <a:prstGeom prst="rect">
             <a:avLst/>
@@ -5973,8 +5923,8 @@
         </p:blipFill>
         <p:spPr>
           <a:xfrm>
-            <a:off x="281681" y="2103194"/>
-            <a:ext cx="3223429" cy="1749586"/>
+            <a:off x="87309" y="2287128"/>
+            <a:ext cx="2619036" cy="1421539"/>
           </a:xfrm>
           <a:prstGeom prst="rect">
             <a:avLst/>
@@ -6002,8 +5952,8 @@
         </p:blipFill>
         <p:spPr>
           <a:xfrm>
-            <a:off x="187972" y="4510199"/>
-            <a:ext cx="5980924" cy="2108718"/>
+            <a:off x="87309" y="4490847"/>
+            <a:ext cx="4859501" cy="1713333"/>
           </a:xfrm>
           <a:prstGeom prst="rect">
             <a:avLst/>
@@ -6033,7 +5983,7 @@
 <file path=ppt/theme/theme1.xml><?xml version="1.0" encoding="utf-8"?>
 <a:theme xmlns:a="http://schemas.openxmlformats.org/drawingml/2006/main" name="Office テーマ">
   <a:themeElements>
-    <a:clrScheme name="Office">
+    <a:clrScheme name="Office テーマ">
       <a:dk1>
         <a:sysClr val="windowText" lastClr="000000"/>
       </a:dk1>
@@ -6071,9 +6021,9 @@
         <a:srgbClr val="954F72"/>
       </a:folHlink>
     </a:clrScheme>
-    <a:fontScheme name="Office">
+    <a:fontScheme name="Office テーマ">
       <a:majorFont>
-        <a:latin typeface="游ゴシック Light" panose="020F0302020204030204"/>
+        <a:latin typeface="Calibri Light" panose="020F0302020204030204"/>
         <a:ea typeface=""/>
         <a:cs typeface=""/>
         <a:font script="Jpan" typeface="游ゴシック Light"/>
@@ -6108,7 +6058,7 @@
         <a:font script="Geor" typeface="Sylfaen"/>
       </a:majorFont>
       <a:minorFont>
-        <a:latin typeface="游ゴシック" panose="020F0502020204030204"/>
+        <a:latin typeface="Calibri" panose="020F0502020204030204"/>
         <a:ea typeface=""/>
         <a:cs typeface=""/>
         <a:font script="Jpan" typeface="游ゴシック"/>
@@ -6143,7 +6093,7 @@
         <a:font script="Geor" typeface="Sylfaen"/>
       </a:minorFont>
     </a:fontScheme>
-    <a:fmtScheme name="Office">
+    <a:fmtScheme name="Office テーマ">
       <a:fillStyleLst>
         <a:solidFill>
           <a:schemeClr val="phClr"/>
